--- a/PPT Source/PowerPoinT/Team4 PPT1.pptx
+++ b/PPT Source/PowerPoinT/Team4 PPT1.pptx
@@ -19,6 +19,11 @@
     <p:sldId id="267" r:id="rId13"/>
     <p:sldId id="269" r:id="rId14"/>
     <p:sldId id="268" r:id="rId15"/>
+    <p:sldId id="271" r:id="rId16"/>
+    <p:sldId id="270" r:id="rId17"/>
+    <p:sldId id="272" r:id="rId18"/>
+    <p:sldId id="273" r:id="rId19"/>
+    <p:sldId id="274" r:id="rId20"/>
   </p:sldIdLst>
   <p:sldSz cx="9144000" cy="6858000" type="screen4x3"/>
   <p:notesSz cx="6858000" cy="9144000"/>
@@ -302,7 +307,7 @@
             <a:fld id="{4EB83324-13E5-453F-B158-6E8793A15E81}" type="datetimeFigureOut">
               <a:rPr lang="ko-KR" altLang="en-US" smtClean="0"/>
               <a:pPr/>
-              <a:t>2018-11-13</a:t>
+              <a:t>2018-11-14</a:t>
             </a:fld>
             <a:endParaRPr lang="ko-KR" altLang="en-US" dirty="0"/>
           </a:p>
@@ -469,7 +474,7 @@
             <a:fld id="{4EB83324-13E5-453F-B158-6E8793A15E81}" type="datetimeFigureOut">
               <a:rPr lang="ko-KR" altLang="en-US" smtClean="0"/>
               <a:pPr/>
-              <a:t>2018-11-13</a:t>
+              <a:t>2018-11-14</a:t>
             </a:fld>
             <a:endParaRPr lang="ko-KR" altLang="en-US" dirty="0"/>
           </a:p>
@@ -646,7 +651,7 @@
             <a:fld id="{4EB83324-13E5-453F-B158-6E8793A15E81}" type="datetimeFigureOut">
               <a:rPr lang="ko-KR" altLang="en-US" smtClean="0"/>
               <a:pPr/>
-              <a:t>2018-11-13</a:t>
+              <a:t>2018-11-14</a:t>
             </a:fld>
             <a:endParaRPr lang="ko-KR" altLang="en-US" dirty="0"/>
           </a:p>
@@ -813,7 +818,7 @@
             <a:fld id="{4EB83324-13E5-453F-B158-6E8793A15E81}" type="datetimeFigureOut">
               <a:rPr lang="ko-KR" altLang="en-US" smtClean="0"/>
               <a:pPr/>
-              <a:t>2018-11-13</a:t>
+              <a:t>2018-11-14</a:t>
             </a:fld>
             <a:endParaRPr lang="ko-KR" altLang="en-US" dirty="0"/>
           </a:p>
@@ -1056,7 +1061,7 @@
             <a:fld id="{4EB83324-13E5-453F-B158-6E8793A15E81}" type="datetimeFigureOut">
               <a:rPr lang="ko-KR" altLang="en-US" smtClean="0"/>
               <a:pPr/>
-              <a:t>2018-11-13</a:t>
+              <a:t>2018-11-14</a:t>
             </a:fld>
             <a:endParaRPr lang="ko-KR" altLang="en-US" dirty="0"/>
           </a:p>
@@ -1341,7 +1346,7 @@
             <a:fld id="{4EB83324-13E5-453F-B158-6E8793A15E81}" type="datetimeFigureOut">
               <a:rPr lang="ko-KR" altLang="en-US" smtClean="0"/>
               <a:pPr/>
-              <a:t>2018-11-13</a:t>
+              <a:t>2018-11-14</a:t>
             </a:fld>
             <a:endParaRPr lang="ko-KR" altLang="en-US" dirty="0"/>
           </a:p>
@@ -1760,7 +1765,7 @@
             <a:fld id="{4EB83324-13E5-453F-B158-6E8793A15E81}" type="datetimeFigureOut">
               <a:rPr lang="ko-KR" altLang="en-US" smtClean="0"/>
               <a:pPr/>
-              <a:t>2018-11-13</a:t>
+              <a:t>2018-11-14</a:t>
             </a:fld>
             <a:endParaRPr lang="ko-KR" altLang="en-US" dirty="0"/>
           </a:p>
@@ -1875,7 +1880,7 @@
             <a:fld id="{4EB83324-13E5-453F-B158-6E8793A15E81}" type="datetimeFigureOut">
               <a:rPr lang="ko-KR" altLang="en-US" smtClean="0"/>
               <a:pPr/>
-              <a:t>2018-11-13</a:t>
+              <a:t>2018-11-14</a:t>
             </a:fld>
             <a:endParaRPr lang="ko-KR" altLang="en-US" dirty="0"/>
           </a:p>
@@ -1967,7 +1972,7 @@
             <a:fld id="{4EB83324-13E5-453F-B158-6E8793A15E81}" type="datetimeFigureOut">
               <a:rPr lang="ko-KR" altLang="en-US" smtClean="0"/>
               <a:pPr/>
-              <a:t>2018-11-13</a:t>
+              <a:t>2018-11-14</a:t>
             </a:fld>
             <a:endParaRPr lang="ko-KR" altLang="en-US" dirty="0"/>
           </a:p>
@@ -2241,7 +2246,7 @@
             <a:fld id="{4EB83324-13E5-453F-B158-6E8793A15E81}" type="datetimeFigureOut">
               <a:rPr lang="ko-KR" altLang="en-US" smtClean="0"/>
               <a:pPr/>
-              <a:t>2018-11-13</a:t>
+              <a:t>2018-11-14</a:t>
             </a:fld>
             <a:endParaRPr lang="ko-KR" altLang="en-US" dirty="0"/>
           </a:p>
@@ -2491,7 +2496,7 @@
             <a:fld id="{4EB83324-13E5-453F-B158-6E8793A15E81}" type="datetimeFigureOut">
               <a:rPr lang="ko-KR" altLang="en-US" smtClean="0"/>
               <a:pPr/>
-              <a:t>2018-11-13</a:t>
+              <a:t>2018-11-14</a:t>
             </a:fld>
             <a:endParaRPr lang="ko-KR" altLang="en-US" dirty="0"/>
           </a:p>
@@ -2701,7 +2706,7 @@
             <a:fld id="{4EB83324-13E5-453F-B158-6E8793A15E81}" type="datetimeFigureOut">
               <a:rPr lang="ko-KR" altLang="en-US" smtClean="0"/>
               <a:pPr/>
-              <a:t>2018-11-13</a:t>
+              <a:t>2018-11-14</a:t>
             </a:fld>
             <a:endParaRPr lang="ko-KR" altLang="en-US" dirty="0"/>
           </a:p>
@@ -3130,143 +3135,26 @@
       </p:grpSpPr>
       <p:sp>
         <p:nvSpPr>
-          <p:cNvPr id="4" name="TextBox 3"/>
-          <p:cNvSpPr txBox="1"/>
-          <p:nvPr/>
-        </p:nvSpPr>
-        <p:spPr>
-          <a:xfrm>
-            <a:off x="-32" y="71414"/>
-            <a:ext cx="5000628" cy="461665"/>
-          </a:xfrm>
-          <a:prstGeom prst="rect">
-            <a:avLst/>
-          </a:prstGeom>
-          <a:noFill/>
-        </p:spPr>
-        <p:txBody>
-          <a:bodyPr wrap="square" rtlCol="0">
-            <a:spAutoFit/>
-          </a:bodyPr>
-          <a:lstStyle/>
-          <a:p>
-            <a:r>
-              <a:rPr lang="ko-KR" altLang="en-US" sz="2400" dirty="0" err="1" smtClean="0">
-                <a:latin typeface="HY견고딕" pitchFamily="18" charset="-127"/>
-                <a:ea typeface="HY견고딕" pitchFamily="18" charset="-127"/>
-              </a:rPr>
-              <a:t>미구현</a:t>
-            </a:r>
-            <a:r>
-              <a:rPr lang="ko-KR" altLang="en-US" sz="2400" dirty="0" smtClean="0">
-                <a:latin typeface="HY견고딕" pitchFamily="18" charset="-127"/>
-                <a:ea typeface="HY견고딕" pitchFamily="18" charset="-127"/>
-              </a:rPr>
-              <a:t> 서비스</a:t>
-            </a:r>
-            <a:r>
-              <a:rPr lang="en-US" altLang="ko-KR" sz="2400" dirty="0" smtClean="0">
-                <a:latin typeface="HY견고딕" pitchFamily="18" charset="-127"/>
-                <a:ea typeface="HY견고딕" pitchFamily="18" charset="-127"/>
-              </a:rPr>
-              <a:t>(</a:t>
-            </a:r>
-            <a:r>
-              <a:rPr lang="ko-KR" altLang="en-US" sz="2400" dirty="0" smtClean="0">
-                <a:latin typeface="HY견고딕" pitchFamily="18" charset="-127"/>
-                <a:ea typeface="HY견고딕" pitchFamily="18" charset="-127"/>
-              </a:rPr>
-              <a:t>불편한 요소</a:t>
-            </a:r>
-            <a:r>
-              <a:rPr lang="en-US" altLang="ko-KR" sz="2400" dirty="0" smtClean="0">
-                <a:latin typeface="HY견고딕" pitchFamily="18" charset="-127"/>
-                <a:ea typeface="HY견고딕" pitchFamily="18" charset="-127"/>
-              </a:rPr>
-              <a:t>)</a:t>
-            </a:r>
-            <a:endParaRPr lang="ko-KR" altLang="en-US" sz="2400" dirty="0">
-              <a:latin typeface="HY견고딕" pitchFamily="18" charset="-127"/>
-              <a:ea typeface="HY견고딕" pitchFamily="18" charset="-127"/>
-            </a:endParaRPr>
-          </a:p>
-        </p:txBody>
-      </p:sp>
-      <p:pic>
-        <p:nvPicPr>
-          <p:cNvPr id="6" name="그림 5" descr="예비수강내역 조회.jpg"/>
-          <p:cNvPicPr>
-            <a:picLocks noChangeAspect="1"/>
-          </p:cNvPicPr>
-          <p:nvPr/>
-        </p:nvPicPr>
-        <p:blipFill>
-          <a:blip r:embed="rId2" cstate="print"/>
-          <a:stretch>
-            <a:fillRect/>
-          </a:stretch>
-        </p:blipFill>
-        <p:spPr>
-          <a:xfrm>
-            <a:off x="0" y="571480"/>
-            <a:ext cx="3857625" cy="6286520"/>
-          </a:xfrm>
-          <a:prstGeom prst="rect">
-            <a:avLst/>
-          </a:prstGeom>
-        </p:spPr>
-      </p:pic>
-      <p:pic>
-        <p:nvPicPr>
-          <p:cNvPr id="7" name="그림 6" descr="예비수강신청.jpg"/>
-          <p:cNvPicPr>
-            <a:picLocks noChangeAspect="1"/>
-          </p:cNvPicPr>
-          <p:nvPr/>
-        </p:nvPicPr>
-        <p:blipFill>
-          <a:blip r:embed="rId3" cstate="print"/>
-          <a:stretch>
-            <a:fillRect/>
-          </a:stretch>
-        </p:blipFill>
-        <p:spPr>
-          <a:xfrm>
-            <a:off x="5286375" y="571480"/>
-            <a:ext cx="3857625" cy="6286520"/>
-          </a:xfrm>
-          <a:prstGeom prst="rect">
-            <a:avLst/>
-          </a:prstGeom>
-        </p:spPr>
-      </p:pic>
-      <p:sp>
-        <p:nvSpPr>
-          <p:cNvPr id="8" name="타원 7"/>
+          <p:cNvPr id="10" name="모서리가 둥근 직사각형 9"/>
           <p:cNvSpPr/>
           <p:nvPr/>
         </p:nvSpPr>
         <p:spPr>
           <a:xfrm>
-            <a:off x="1214414" y="6215082"/>
-            <a:ext cx="1428760" cy="642918"/>
-          </a:xfrm>
-          <a:prstGeom prst="ellipse">
-            <a:avLst/>
-          </a:prstGeom>
-          <a:noFill/>
-          <a:ln w="44450">
-            <a:solidFill>
-              <a:srgbClr val="FF0000"/>
-            </a:solidFill>
+            <a:off x="0" y="0"/>
+            <a:ext cx="4000496" cy="642942"/>
+          </a:xfrm>
+          <a:prstGeom prst="roundRect">
+            <a:avLst/>
+          </a:prstGeom>
+          <a:solidFill>
+            <a:srgbClr val="FFC000">
+              <a:alpha val="60000"/>
+            </a:srgbClr>
+          </a:solidFill>
+          <a:ln>
+            <a:noFill/>
           </a:ln>
-          <a:effectLst>
-            <a:outerShdw blurRad="50800" dist="38100" dir="2700000" algn="tl" rotWithShape="0">
-              <a:prstClr val="black">
-                <a:alpha val="40000"/>
-              </a:prstClr>
-            </a:outerShdw>
-          </a:effectLst>
         </p:spPr>
         <p:style>
           <a:lnRef idx="2">
@@ -3295,13 +3183,125 @@
       </p:sp>
       <p:sp>
         <p:nvSpPr>
-          <p:cNvPr id="9" name="타원 8"/>
+          <p:cNvPr id="4" name="TextBox 3"/>
+          <p:cNvSpPr txBox="1"/>
+          <p:nvPr/>
+        </p:nvSpPr>
+        <p:spPr>
+          <a:xfrm>
+            <a:off x="-32" y="71414"/>
+            <a:ext cx="4000528" cy="461665"/>
+          </a:xfrm>
+          <a:prstGeom prst="rect">
+            <a:avLst/>
+          </a:prstGeom>
+          <a:noFill/>
+        </p:spPr>
+        <p:txBody>
+          <a:bodyPr wrap="square" rtlCol="0">
+            <a:spAutoFit/>
+          </a:bodyPr>
+          <a:lstStyle/>
+          <a:p>
+            <a:r>
+              <a:rPr lang="ko-KR" altLang="en-US" sz="2400" dirty="0" err="1" smtClean="0">
+                <a:latin typeface="HY견고딕" pitchFamily="18" charset="-127"/>
+                <a:ea typeface="HY견고딕" pitchFamily="18" charset="-127"/>
+              </a:rPr>
+              <a:t>미구현</a:t>
+            </a:r>
+            <a:r>
+              <a:rPr lang="ko-KR" altLang="en-US" sz="2400" dirty="0" smtClean="0">
+                <a:latin typeface="HY견고딕" pitchFamily="18" charset="-127"/>
+                <a:ea typeface="HY견고딕" pitchFamily="18" charset="-127"/>
+              </a:rPr>
+              <a:t> 서비스</a:t>
+            </a:r>
+            <a:r>
+              <a:rPr lang="en-US" altLang="ko-KR" sz="2400" dirty="0" smtClean="0">
+                <a:latin typeface="HY견고딕" pitchFamily="18" charset="-127"/>
+                <a:ea typeface="HY견고딕" pitchFamily="18" charset="-127"/>
+              </a:rPr>
+              <a:t>(</a:t>
+            </a:r>
+            <a:r>
+              <a:rPr lang="ko-KR" altLang="en-US" sz="2400" dirty="0" smtClean="0">
+                <a:latin typeface="HY견고딕" pitchFamily="18" charset="-127"/>
+                <a:ea typeface="HY견고딕" pitchFamily="18" charset="-127"/>
+              </a:rPr>
+              <a:t>불편한 요소</a:t>
+            </a:r>
+            <a:r>
+              <a:rPr lang="en-US" altLang="ko-KR" sz="2400" dirty="0" smtClean="0">
+                <a:latin typeface="HY견고딕" pitchFamily="18" charset="-127"/>
+                <a:ea typeface="HY견고딕" pitchFamily="18" charset="-127"/>
+              </a:rPr>
+              <a:t>)</a:t>
+            </a:r>
+            <a:endParaRPr lang="ko-KR" altLang="en-US" sz="2400" dirty="0">
+              <a:latin typeface="HY견고딕" pitchFamily="18" charset="-127"/>
+              <a:ea typeface="HY견고딕" pitchFamily="18" charset="-127"/>
+            </a:endParaRPr>
+          </a:p>
+        </p:txBody>
+      </p:sp>
+      <p:pic>
+        <p:nvPicPr>
+          <p:cNvPr id="6" name="그림 5" descr="예비수강내역 조회.jpg"/>
+          <p:cNvPicPr>
+            <a:picLocks noChangeAspect="1"/>
+          </p:cNvPicPr>
+          <p:nvPr/>
+        </p:nvPicPr>
+        <p:blipFill>
+          <a:blip r:embed="rId2" cstate="print"/>
+          <a:stretch>
+            <a:fillRect/>
+          </a:stretch>
+        </p:blipFill>
+        <p:spPr>
+          <a:xfrm>
+            <a:off x="0" y="642918"/>
+            <a:ext cx="4000496" cy="6215082"/>
+          </a:xfrm>
+          <a:prstGeom prst="rect">
+            <a:avLst/>
+          </a:prstGeom>
+        </p:spPr>
+      </p:pic>
+      <p:pic>
+        <p:nvPicPr>
+          <p:cNvPr id="7" name="그림 6" descr="예비수강신청.jpg"/>
+          <p:cNvPicPr>
+            <a:picLocks noChangeAspect="1"/>
+          </p:cNvPicPr>
+          <p:nvPr/>
+        </p:nvPicPr>
+        <p:blipFill>
+          <a:blip r:embed="rId3" cstate="print"/>
+          <a:stretch>
+            <a:fillRect/>
+          </a:stretch>
+        </p:blipFill>
+        <p:spPr>
+          <a:xfrm>
+            <a:off x="4929189" y="642918"/>
+            <a:ext cx="4214811" cy="6215082"/>
+          </a:xfrm>
+          <a:prstGeom prst="rect">
+            <a:avLst/>
+          </a:prstGeom>
+        </p:spPr>
+      </p:pic>
+      <p:sp>
+        <p:nvSpPr>
+          <p:cNvPr id="8" name="타원 7"/>
           <p:cNvSpPr/>
           <p:nvPr/>
         </p:nvSpPr>
         <p:spPr>
           <a:xfrm>
-            <a:off x="5072066" y="6215082"/>
+            <a:off x="1214414" y="6215082"/>
             <a:ext cx="1428760" cy="642918"/>
           </a:xfrm>
           <a:prstGeom prst="ellipse">
@@ -3346,6 +3346,83 @@
           </a:p>
         </p:txBody>
       </p:sp>
+      <p:sp>
+        <p:nvSpPr>
+          <p:cNvPr id="9" name="타원 8"/>
+          <p:cNvSpPr/>
+          <p:nvPr/>
+        </p:nvSpPr>
+        <p:spPr>
+          <a:xfrm>
+            <a:off x="4643438" y="6215082"/>
+            <a:ext cx="1428760" cy="642918"/>
+          </a:xfrm>
+          <a:prstGeom prst="ellipse">
+            <a:avLst/>
+          </a:prstGeom>
+          <a:noFill/>
+          <a:ln w="44450">
+            <a:solidFill>
+              <a:srgbClr val="FF0000"/>
+            </a:solidFill>
+          </a:ln>
+          <a:effectLst>
+            <a:outerShdw blurRad="50800" dist="38100" dir="2700000" algn="tl" rotWithShape="0">
+              <a:prstClr val="black">
+                <a:alpha val="40000"/>
+              </a:prstClr>
+            </a:outerShdw>
+          </a:effectLst>
+        </p:spPr>
+        <p:style>
+          <a:lnRef idx="2">
+            <a:schemeClr val="accent1">
+              <a:shade val="50000"/>
+            </a:schemeClr>
+          </a:lnRef>
+          <a:fillRef idx="1">
+            <a:schemeClr val="accent1"/>
+          </a:fillRef>
+          <a:effectRef idx="0">
+            <a:schemeClr val="accent1"/>
+          </a:effectRef>
+          <a:fontRef idx="minor">
+            <a:schemeClr val="lt1"/>
+          </a:fontRef>
+        </p:style>
+        <p:txBody>
+          <a:bodyPr rtlCol="0" anchor="ctr"/>
+          <a:lstStyle/>
+          <a:p>
+            <a:pPr algn="ctr"/>
+            <a:endParaRPr lang="ko-KR" altLang="en-US"/>
+          </a:p>
+        </p:txBody>
+      </p:sp>
+      <p:pic>
+        <p:nvPicPr>
+          <p:cNvPr id="11" name="그림 10" descr="한라대 교무처 문의.jpg"/>
+          <p:cNvPicPr>
+            <a:picLocks noChangeAspect="1"/>
+          </p:cNvPicPr>
+          <p:nvPr/>
+        </p:nvPicPr>
+        <p:blipFill>
+          <a:blip r:embed="rId4"/>
+          <a:stretch>
+            <a:fillRect/>
+          </a:stretch>
+        </p:blipFill>
+        <p:spPr>
+          <a:xfrm>
+            <a:off x="571472" y="2095512"/>
+            <a:ext cx="8001056" cy="3048000"/>
+          </a:xfrm>
+          <a:prstGeom prst="rect">
+            <a:avLst/>
+          </a:prstGeom>
+        </p:spPr>
+      </p:pic>
     </p:spTree>
   </p:cSld>
   <p:clrMapOvr>
@@ -3354,7 +3431,121 @@
   <p:timing>
     <p:tnLst>
       <p:par>
-        <p:cTn id="1" dur="indefinite" restart="never" nodeType="tmRoot"/>
+        <p:cTn id="1" dur="indefinite" restart="never" nodeType="tmRoot">
+          <p:childTnLst>
+            <p:seq concurrent="1" nextAc="seek">
+              <p:cTn id="2" dur="indefinite" nodeType="mainSeq">
+                <p:childTnLst>
+                  <p:par>
+                    <p:cTn id="3" fill="hold">
+                      <p:stCondLst>
+                        <p:cond delay="indefinite"/>
+                      </p:stCondLst>
+                      <p:childTnLst>
+                        <p:par>
+                          <p:cTn id="4" fill="hold">
+                            <p:stCondLst>
+                              <p:cond delay="0"/>
+                            </p:stCondLst>
+                            <p:childTnLst>
+                              <p:par>
+                                <p:cTn id="5" presetID="2" presetClass="entr" presetSubtype="4" fill="hold" nodeType="clickEffect">
+                                  <p:stCondLst>
+                                    <p:cond delay="0"/>
+                                  </p:stCondLst>
+                                  <p:childTnLst>
+                                    <p:set>
+                                      <p:cBhvr>
+                                        <p:cTn id="6" dur="1" fill="hold">
+                                          <p:stCondLst>
+                                            <p:cond delay="0"/>
+                                          </p:stCondLst>
+                                        </p:cTn>
+                                        <p:tgtEl>
+                                          <p:spTgt spid="11"/>
+                                        </p:tgtEl>
+                                        <p:attrNameLst>
+                                          <p:attrName>style.visibility</p:attrName>
+                                        </p:attrNameLst>
+                                      </p:cBhvr>
+                                      <p:to>
+                                        <p:strVal val="visible"/>
+                                      </p:to>
+                                    </p:set>
+                                    <p:anim calcmode="lin" valueType="num">
+                                      <p:cBhvr additive="base">
+                                        <p:cTn id="7" dur="500" fill="hold"/>
+                                        <p:tgtEl>
+                                          <p:spTgt spid="11"/>
+                                        </p:tgtEl>
+                                        <p:attrNameLst>
+                                          <p:attrName>ppt_x</p:attrName>
+                                        </p:attrNameLst>
+                                      </p:cBhvr>
+                                      <p:tavLst>
+                                        <p:tav tm="0">
+                                          <p:val>
+                                            <p:strVal val="#ppt_x"/>
+                                          </p:val>
+                                        </p:tav>
+                                        <p:tav tm="100000">
+                                          <p:val>
+                                            <p:strVal val="#ppt_x"/>
+                                          </p:val>
+                                        </p:tav>
+                                      </p:tavLst>
+                                    </p:anim>
+                                    <p:anim calcmode="lin" valueType="num">
+                                      <p:cBhvr additive="base">
+                                        <p:cTn id="8" dur="500" fill="hold"/>
+                                        <p:tgtEl>
+                                          <p:spTgt spid="11"/>
+                                        </p:tgtEl>
+                                        <p:attrNameLst>
+                                          <p:attrName>ppt_y</p:attrName>
+                                        </p:attrNameLst>
+                                      </p:cBhvr>
+                                      <p:tavLst>
+                                        <p:tav tm="0">
+                                          <p:val>
+                                            <p:strVal val="1+#ppt_h/2"/>
+                                          </p:val>
+                                        </p:tav>
+                                        <p:tav tm="100000">
+                                          <p:val>
+                                            <p:strVal val="#ppt_y"/>
+                                          </p:val>
+                                        </p:tav>
+                                      </p:tavLst>
+                                    </p:anim>
+                                  </p:childTnLst>
+                                </p:cTn>
+                              </p:par>
+                            </p:childTnLst>
+                          </p:cTn>
+                        </p:par>
+                      </p:childTnLst>
+                    </p:cTn>
+                  </p:par>
+                </p:childTnLst>
+              </p:cTn>
+              <p:prevCondLst>
+                <p:cond evt="onPrev" delay="0">
+                  <p:tgtEl>
+                    <p:sldTgt/>
+                  </p:tgtEl>
+                </p:cond>
+              </p:prevCondLst>
+              <p:nextCondLst>
+                <p:cond evt="onNext" delay="0">
+                  <p:tgtEl>
+                    <p:sldTgt/>
+                  </p:tgtEl>
+                </p:cond>
+              </p:nextCondLst>
+            </p:seq>
+          </p:childTnLst>
+        </p:cTn>
       </p:par>
     </p:tnLst>
   </p:timing>
@@ -3380,115 +3571,26 @@
       </p:grpSpPr>
       <p:sp>
         <p:nvSpPr>
-          <p:cNvPr id="4" name="TextBox 3"/>
-          <p:cNvSpPr txBox="1"/>
-          <p:nvPr/>
-        </p:nvSpPr>
-        <p:spPr>
-          <a:xfrm>
-            <a:off x="-32" y="71414"/>
-            <a:ext cx="5000628" cy="461665"/>
-          </a:xfrm>
-          <a:prstGeom prst="rect">
-            <a:avLst/>
-          </a:prstGeom>
-          <a:noFill/>
-        </p:spPr>
-        <p:txBody>
-          <a:bodyPr wrap="square" rtlCol="0">
-            <a:spAutoFit/>
-          </a:bodyPr>
-          <a:lstStyle/>
-          <a:p>
-            <a:r>
-              <a:rPr lang="ko-KR" altLang="en-US" sz="2400" dirty="0" smtClean="0">
-                <a:latin typeface="HY견고딕" pitchFamily="18" charset="-127"/>
-                <a:ea typeface="HY견고딕" pitchFamily="18" charset="-127"/>
-              </a:rPr>
-              <a:t>관련 수강신청 애플리케이션</a:t>
-            </a:r>
-            <a:endParaRPr lang="ko-KR" altLang="en-US" sz="2400" dirty="0">
-              <a:latin typeface="HY견고딕" pitchFamily="18" charset="-127"/>
-              <a:ea typeface="HY견고딕" pitchFamily="18" charset="-127"/>
-            </a:endParaRPr>
-          </a:p>
-        </p:txBody>
-      </p:sp>
-      <p:pic>
-        <p:nvPicPr>
-          <p:cNvPr id="6" name="그림 5" descr="가천대 수강신청 앱.JPG"/>
-          <p:cNvPicPr>
-            <a:picLocks noChangeAspect="1"/>
-          </p:cNvPicPr>
-          <p:nvPr/>
-        </p:nvPicPr>
-        <p:blipFill>
-          <a:blip r:embed="rId2"/>
-          <a:stretch>
-            <a:fillRect/>
-          </a:stretch>
-        </p:blipFill>
-        <p:spPr>
-          <a:xfrm>
-            <a:off x="0" y="571480"/>
-            <a:ext cx="3857620" cy="6286520"/>
-          </a:xfrm>
-          <a:prstGeom prst="rect">
-            <a:avLst/>
-          </a:prstGeom>
-        </p:spPr>
-      </p:pic>
-      <p:pic>
-        <p:nvPicPr>
-          <p:cNvPr id="7" name="그림 6" descr="가천대 예비수강내역조회.JPG"/>
-          <p:cNvPicPr>
-            <a:picLocks noChangeAspect="1"/>
-          </p:cNvPicPr>
-          <p:nvPr/>
-        </p:nvPicPr>
-        <p:blipFill>
-          <a:blip r:embed="rId3"/>
-          <a:stretch>
-            <a:fillRect/>
-          </a:stretch>
-        </p:blipFill>
-        <p:spPr>
-          <a:xfrm>
-            <a:off x="5214942" y="500042"/>
-            <a:ext cx="3929058" cy="6357958"/>
-          </a:xfrm>
-          <a:prstGeom prst="rect">
-            <a:avLst/>
-          </a:prstGeom>
-        </p:spPr>
-      </p:pic>
-      <p:sp>
-        <p:nvSpPr>
-          <p:cNvPr id="8" name="타원 7"/>
+          <p:cNvPr id="10" name="모서리가 둥근 직사각형 9"/>
           <p:cNvSpPr/>
           <p:nvPr/>
         </p:nvSpPr>
         <p:spPr>
           <a:xfrm>
-            <a:off x="285720" y="3786190"/>
-            <a:ext cx="1714512" cy="1785950"/>
-          </a:xfrm>
-          <a:prstGeom prst="ellipse">
-            <a:avLst/>
-          </a:prstGeom>
-          <a:noFill/>
-          <a:ln w="44450">
-            <a:solidFill>
-              <a:srgbClr val="FF0000"/>
-            </a:solidFill>
+            <a:off x="0" y="0"/>
+            <a:ext cx="4071934" cy="642942"/>
+          </a:xfrm>
+          <a:prstGeom prst="roundRect">
+            <a:avLst/>
+          </a:prstGeom>
+          <a:solidFill>
+            <a:srgbClr val="FFC000">
+              <a:alpha val="60000"/>
+            </a:srgbClr>
+          </a:solidFill>
+          <a:ln>
+            <a:noFill/>
           </a:ln>
-          <a:effectLst>
-            <a:outerShdw blurRad="50800" dist="38100" dir="2700000" algn="tl" rotWithShape="0">
-              <a:prstClr val="black">
-                <a:alpha val="40000"/>
-              </a:prstClr>
-            </a:outerShdw>
-          </a:effectLst>
         </p:spPr>
         <p:style>
           <a:lnRef idx="2">
@@ -3517,13 +3619,150 @@
       </p:sp>
       <p:sp>
         <p:nvSpPr>
+          <p:cNvPr id="4" name="TextBox 3"/>
+          <p:cNvSpPr txBox="1"/>
+          <p:nvPr/>
+        </p:nvSpPr>
+        <p:spPr>
+          <a:xfrm>
+            <a:off x="-32" y="71414"/>
+            <a:ext cx="4143404" cy="461665"/>
+          </a:xfrm>
+          <a:prstGeom prst="rect">
+            <a:avLst/>
+          </a:prstGeom>
+          <a:noFill/>
+        </p:spPr>
+        <p:txBody>
+          <a:bodyPr wrap="square" rtlCol="0">
+            <a:spAutoFit/>
+          </a:bodyPr>
+          <a:lstStyle/>
+          <a:p>
+            <a:r>
+              <a:rPr lang="ko-KR" altLang="en-US" sz="2400" dirty="0" smtClean="0">
+                <a:latin typeface="HY견고딕" pitchFamily="18" charset="-127"/>
+                <a:ea typeface="HY견고딕" pitchFamily="18" charset="-127"/>
+              </a:rPr>
+              <a:t>관련 수강신청 애플리케이션</a:t>
+            </a:r>
+            <a:endParaRPr lang="ko-KR" altLang="en-US" sz="2400" dirty="0">
+              <a:latin typeface="HY견고딕" pitchFamily="18" charset="-127"/>
+              <a:ea typeface="HY견고딕" pitchFamily="18" charset="-127"/>
+            </a:endParaRPr>
+          </a:p>
+        </p:txBody>
+      </p:sp>
+      <p:pic>
+        <p:nvPicPr>
+          <p:cNvPr id="6" name="그림 5" descr="가천대 수강신청 앱.JPG"/>
+          <p:cNvPicPr>
+            <a:picLocks noChangeAspect="1"/>
+          </p:cNvPicPr>
+          <p:nvPr/>
+        </p:nvPicPr>
+        <p:blipFill>
+          <a:blip r:embed="rId2"/>
+          <a:stretch>
+            <a:fillRect/>
+          </a:stretch>
+        </p:blipFill>
+        <p:spPr>
+          <a:xfrm>
+            <a:off x="0" y="642918"/>
+            <a:ext cx="4071934" cy="6215082"/>
+          </a:xfrm>
+          <a:prstGeom prst="rect">
+            <a:avLst/>
+          </a:prstGeom>
+        </p:spPr>
+      </p:pic>
+      <p:pic>
+        <p:nvPicPr>
+          <p:cNvPr id="7" name="그림 6" descr="가천대 예비수강내역조회.JPG"/>
+          <p:cNvPicPr>
+            <a:picLocks noChangeAspect="1"/>
+          </p:cNvPicPr>
+          <p:nvPr/>
+        </p:nvPicPr>
+        <p:blipFill>
+          <a:blip r:embed="rId3"/>
+          <a:stretch>
+            <a:fillRect/>
+          </a:stretch>
+        </p:blipFill>
+        <p:spPr>
+          <a:xfrm>
+            <a:off x="5072066" y="642918"/>
+            <a:ext cx="4071934" cy="6215082"/>
+          </a:xfrm>
+          <a:prstGeom prst="rect">
+            <a:avLst/>
+          </a:prstGeom>
+        </p:spPr>
+      </p:pic>
+      <p:sp>
+        <p:nvSpPr>
+          <p:cNvPr id="8" name="타원 7"/>
+          <p:cNvSpPr/>
+          <p:nvPr/>
+        </p:nvSpPr>
+        <p:spPr>
+          <a:xfrm>
+            <a:off x="357158" y="3786190"/>
+            <a:ext cx="1714512" cy="1785950"/>
+          </a:xfrm>
+          <a:prstGeom prst="ellipse">
+            <a:avLst/>
+          </a:prstGeom>
+          <a:noFill/>
+          <a:ln w="44450">
+            <a:solidFill>
+              <a:srgbClr val="FF0000"/>
+            </a:solidFill>
+          </a:ln>
+          <a:effectLst>
+            <a:outerShdw blurRad="50800" dist="38100" dir="2700000" algn="tl" rotWithShape="0">
+              <a:prstClr val="black">
+                <a:alpha val="40000"/>
+              </a:prstClr>
+            </a:outerShdw>
+          </a:effectLst>
+        </p:spPr>
+        <p:style>
+          <a:lnRef idx="2">
+            <a:schemeClr val="accent1">
+              <a:shade val="50000"/>
+            </a:schemeClr>
+          </a:lnRef>
+          <a:fillRef idx="1">
+            <a:schemeClr val="accent1"/>
+          </a:fillRef>
+          <a:effectRef idx="0">
+            <a:schemeClr val="accent1"/>
+          </a:effectRef>
+          <a:fontRef idx="minor">
+            <a:schemeClr val="lt1"/>
+          </a:fontRef>
+        </p:style>
+        <p:txBody>
+          <a:bodyPr rtlCol="0" anchor="ctr"/>
+          <a:lstStyle/>
+          <a:p>
+            <a:pPr algn="ctr"/>
+            <a:endParaRPr lang="ko-KR" altLang="en-US"/>
+          </a:p>
+        </p:txBody>
+      </p:sp>
+      <p:sp>
+        <p:nvSpPr>
           <p:cNvPr id="9" name="타원 8"/>
           <p:cNvSpPr/>
           <p:nvPr/>
         </p:nvSpPr>
         <p:spPr>
           <a:xfrm>
-            <a:off x="4929190" y="6215082"/>
+            <a:off x="4786314" y="6215082"/>
             <a:ext cx="1571636" cy="642918"/>
           </a:xfrm>
           <a:prstGeom prst="ellipse">
@@ -3602,6 +3841,54 @@
       </p:grpSpPr>
       <p:sp>
         <p:nvSpPr>
+          <p:cNvPr id="8" name="모서리가 둥근 직사각형 7"/>
+          <p:cNvSpPr/>
+          <p:nvPr/>
+        </p:nvSpPr>
+        <p:spPr>
+          <a:xfrm>
+            <a:off x="0" y="0"/>
+            <a:ext cx="4071934" cy="642942"/>
+          </a:xfrm>
+          <a:prstGeom prst="roundRect">
+            <a:avLst/>
+          </a:prstGeom>
+          <a:solidFill>
+            <a:srgbClr val="FFC000">
+              <a:alpha val="60000"/>
+            </a:srgbClr>
+          </a:solidFill>
+          <a:ln>
+            <a:noFill/>
+          </a:ln>
+        </p:spPr>
+        <p:style>
+          <a:lnRef idx="2">
+            <a:schemeClr val="accent1">
+              <a:shade val="50000"/>
+            </a:schemeClr>
+          </a:lnRef>
+          <a:fillRef idx="1">
+            <a:schemeClr val="accent1"/>
+          </a:fillRef>
+          <a:effectRef idx="0">
+            <a:schemeClr val="accent1"/>
+          </a:effectRef>
+          <a:fontRef idx="minor">
+            <a:schemeClr val="lt1"/>
+          </a:fontRef>
+        </p:style>
+        <p:txBody>
+          <a:bodyPr rtlCol="0" anchor="ctr"/>
+          <a:lstStyle/>
+          <a:p>
+            <a:pPr algn="ctr"/>
+            <a:endParaRPr lang="ko-KR" altLang="en-US"/>
+          </a:p>
+        </p:txBody>
+      </p:sp>
+      <p:sp>
+        <p:nvSpPr>
           <p:cNvPr id="4" name="TextBox 3"/>
           <p:cNvSpPr txBox="1"/>
           <p:nvPr/>
@@ -3609,7 +3896,7 @@
         <p:spPr>
           <a:xfrm>
             <a:off x="-32" y="71414"/>
-            <a:ext cx="5000628" cy="461665"/>
+            <a:ext cx="4143404" cy="461665"/>
           </a:xfrm>
           <a:prstGeom prst="rect">
             <a:avLst/>
@@ -3652,8 +3939,8 @@
         </p:blipFill>
         <p:spPr>
           <a:xfrm>
-            <a:off x="0" y="571480"/>
-            <a:ext cx="3786182" cy="6286520"/>
+            <a:off x="0" y="642918"/>
+            <a:ext cx="4071934" cy="6215082"/>
           </a:xfrm>
           <a:prstGeom prst="rect">
             <a:avLst/>
@@ -3676,8 +3963,8 @@
         </p:blipFill>
         <p:spPr>
           <a:xfrm>
-            <a:off x="5143504" y="500042"/>
-            <a:ext cx="4000496" cy="6357958"/>
+            <a:off x="5000628" y="642918"/>
+            <a:ext cx="4143372" cy="6215082"/>
           </a:xfrm>
           <a:prstGeom prst="rect">
             <a:avLst/>
@@ -3771,6 +4058,54 @@
       </p:grpSpPr>
       <p:sp>
         <p:nvSpPr>
+          <p:cNvPr id="8" name="모서리가 둥근 직사각형 7"/>
+          <p:cNvSpPr/>
+          <p:nvPr/>
+        </p:nvSpPr>
+        <p:spPr>
+          <a:xfrm>
+            <a:off x="0" y="0"/>
+            <a:ext cx="1785918" cy="642942"/>
+          </a:xfrm>
+          <a:prstGeom prst="roundRect">
+            <a:avLst/>
+          </a:prstGeom>
+          <a:solidFill>
+            <a:srgbClr val="FFC000">
+              <a:alpha val="60000"/>
+            </a:srgbClr>
+          </a:solidFill>
+          <a:ln>
+            <a:noFill/>
+          </a:ln>
+        </p:spPr>
+        <p:style>
+          <a:lnRef idx="2">
+            <a:schemeClr val="accent1">
+              <a:shade val="50000"/>
+            </a:schemeClr>
+          </a:lnRef>
+          <a:fillRef idx="1">
+            <a:schemeClr val="accent1"/>
+          </a:fillRef>
+          <a:effectRef idx="0">
+            <a:schemeClr val="accent1"/>
+          </a:effectRef>
+          <a:fontRef idx="minor">
+            <a:schemeClr val="lt1"/>
+          </a:fontRef>
+        </p:style>
+        <p:txBody>
+          <a:bodyPr rtlCol="0" anchor="ctr"/>
+          <a:lstStyle/>
+          <a:p>
+            <a:pPr algn="ctr"/>
+            <a:endParaRPr lang="ko-KR" altLang="en-US"/>
+          </a:p>
+        </p:txBody>
+      </p:sp>
+      <p:sp>
+        <p:nvSpPr>
           <p:cNvPr id="4" name="TextBox 3"/>
           <p:cNvSpPr txBox="1"/>
           <p:nvPr/>
@@ -3778,7 +4113,7 @@
         <p:spPr>
           <a:xfrm>
             <a:off x="-32" y="71414"/>
-            <a:ext cx="5000628" cy="461665"/>
+            <a:ext cx="1928826" cy="461665"/>
           </a:xfrm>
           <a:prstGeom prst="rect">
             <a:avLst/>
@@ -4126,6 +4461,104 @@
       </p:grpSpPr>
       <p:sp>
         <p:nvSpPr>
+          <p:cNvPr id="12" name="직사각형 11"/>
+          <p:cNvSpPr/>
+          <p:nvPr/>
+        </p:nvSpPr>
+        <p:spPr>
+          <a:xfrm>
+            <a:off x="0" y="928670"/>
+            <a:ext cx="4714876" cy="357190"/>
+          </a:xfrm>
+          <a:prstGeom prst="rect">
+            <a:avLst/>
+          </a:prstGeom>
+          <a:solidFill>
+            <a:schemeClr val="accent6">
+              <a:lumMod val="60000"/>
+              <a:lumOff val="40000"/>
+              <a:alpha val="70000"/>
+            </a:schemeClr>
+          </a:solidFill>
+          <a:ln>
+            <a:noFill/>
+          </a:ln>
+        </p:spPr>
+        <p:style>
+          <a:lnRef idx="2">
+            <a:schemeClr val="accent1">
+              <a:shade val="50000"/>
+            </a:schemeClr>
+          </a:lnRef>
+          <a:fillRef idx="1">
+            <a:schemeClr val="accent1"/>
+          </a:fillRef>
+          <a:effectRef idx="0">
+            <a:schemeClr val="accent1"/>
+          </a:effectRef>
+          <a:fontRef idx="minor">
+            <a:schemeClr val="lt1"/>
+          </a:fontRef>
+        </p:style>
+        <p:txBody>
+          <a:bodyPr rtlCol="0" anchor="ctr"/>
+          <a:lstStyle/>
+          <a:p>
+            <a:pPr algn="ctr"/>
+            <a:endParaRPr lang="ko-KR" altLang="en-US"/>
+          </a:p>
+        </p:txBody>
+      </p:sp>
+      <p:sp>
+        <p:nvSpPr>
+          <p:cNvPr id="11" name="모서리가 둥근 직사각형 10"/>
+          <p:cNvSpPr/>
+          <p:nvPr/>
+        </p:nvSpPr>
+        <p:spPr>
+          <a:xfrm>
+            <a:off x="0" y="0"/>
+            <a:ext cx="2928926" cy="642942"/>
+          </a:xfrm>
+          <a:prstGeom prst="roundRect">
+            <a:avLst/>
+          </a:prstGeom>
+          <a:solidFill>
+            <a:srgbClr val="FFC000">
+              <a:alpha val="60000"/>
+            </a:srgbClr>
+          </a:solidFill>
+          <a:ln>
+            <a:noFill/>
+          </a:ln>
+        </p:spPr>
+        <p:style>
+          <a:lnRef idx="2">
+            <a:schemeClr val="accent1">
+              <a:shade val="50000"/>
+            </a:schemeClr>
+          </a:lnRef>
+          <a:fillRef idx="1">
+            <a:schemeClr val="accent1"/>
+          </a:fillRef>
+          <a:effectRef idx="0">
+            <a:schemeClr val="accent1"/>
+          </a:effectRef>
+          <a:fontRef idx="minor">
+            <a:schemeClr val="lt1"/>
+          </a:fontRef>
+        </p:style>
+        <p:txBody>
+          <a:bodyPr rtlCol="0" anchor="ctr"/>
+          <a:lstStyle/>
+          <a:p>
+            <a:pPr algn="ctr"/>
+            <a:endParaRPr lang="ko-KR" altLang="en-US"/>
+          </a:p>
+        </p:txBody>
+      </p:sp>
+      <p:sp>
+        <p:nvSpPr>
           <p:cNvPr id="4" name="TextBox 3"/>
           <p:cNvSpPr txBox="1"/>
           <p:nvPr/>
@@ -4133,7 +4566,7 @@
         <p:spPr>
           <a:xfrm>
             <a:off x="-32" y="71414"/>
-            <a:ext cx="5000628" cy="461665"/>
+            <a:ext cx="3000396" cy="461665"/>
           </a:xfrm>
           <a:prstGeom prst="rect">
             <a:avLst/>
@@ -4175,8 +4608,8 @@
         </p:nvSpPr>
         <p:spPr>
           <a:xfrm>
-            <a:off x="216000" y="1285860"/>
-            <a:ext cx="5155579" cy="369332"/>
+            <a:off x="216000" y="1643050"/>
+            <a:ext cx="5323893" cy="369332"/>
           </a:xfrm>
           <a:prstGeom prst="rect">
             <a:avLst/>
@@ -4217,7 +4650,7 @@
         </p:nvSpPr>
         <p:spPr>
           <a:xfrm>
-            <a:off x="216000" y="1845222"/>
+            <a:off x="216000" y="2285992"/>
             <a:ext cx="6692858" cy="369332"/>
           </a:xfrm>
           <a:prstGeom prst="rect">
@@ -4245,11 +4678,7 @@
             </a:r>
             <a:r>
               <a:rPr lang="ko-KR" altLang="en-US" b="1" dirty="0" smtClean="0"/>
-              <a:t>학</a:t>
-            </a:r>
-            <a:r>
-              <a:rPr lang="ko-KR" altLang="en-US" b="1" dirty="0" smtClean="0"/>
-              <a:t>년</a:t>
+              <a:t>학년</a:t>
             </a:r>
             <a:r>
               <a:rPr lang="en-US" altLang="ko-KR" b="1" dirty="0" smtClean="0"/>
@@ -4271,7 +4700,7 @@
         </p:nvSpPr>
         <p:spPr>
           <a:xfrm>
-            <a:off x="216000" y="2416726"/>
+            <a:off x="216000" y="3000372"/>
             <a:ext cx="7710765" cy="369332"/>
           </a:xfrm>
           <a:prstGeom prst="rect">
@@ -4303,7 +4732,7 @@
             </a:r>
             <a:r>
               <a:rPr lang="ko-KR" altLang="en-US" b="1" dirty="0" err="1" smtClean="0"/>
-              <a:t>이수해야하는</a:t>
+              <a:t>수강해야하는</a:t>
             </a:r>
             <a:r>
               <a:rPr lang="ko-KR" altLang="en-US" b="1" dirty="0" smtClean="0"/>
@@ -4321,7 +4750,7 @@
         </p:nvSpPr>
         <p:spPr>
           <a:xfrm>
-            <a:off x="216000" y="2988230"/>
+            <a:off x="216000" y="3702610"/>
             <a:ext cx="8797601" cy="369332"/>
           </a:xfrm>
           <a:prstGeom prst="rect">
@@ -4355,7 +4784,7 @@
         </p:nvSpPr>
         <p:spPr>
           <a:xfrm>
-            <a:off x="360000" y="671436"/>
+            <a:off x="360000" y="885750"/>
             <a:ext cx="4371710" cy="400110"/>
           </a:xfrm>
           <a:prstGeom prst="rect">
@@ -4374,14 +4803,7 @@
                 <a:latin typeface="HY견고딕" pitchFamily="18" charset="-127"/>
                 <a:ea typeface="HY견고딕" pitchFamily="18" charset="-127"/>
               </a:rPr>
-              <a:t>학점관리 시스템의 </a:t>
-            </a:r>
-            <a:r>
-              <a:rPr lang="ko-KR" altLang="en-US" sz="2000" dirty="0" smtClean="0">
-                <a:latin typeface="HY견고딕" pitchFamily="18" charset="-127"/>
-                <a:ea typeface="HY견고딕" pitchFamily="18" charset="-127"/>
-              </a:rPr>
-              <a:t>목적 및 기대효과</a:t>
+              <a:t>학점관리 시스템의 목적 및 기대효과</a:t>
             </a:r>
             <a:endParaRPr lang="ko-KR" altLang="en-US" sz="2000" dirty="0">
               <a:latin typeface="HY견고딕" pitchFamily="18" charset="-127"/>
@@ -4398,7 +4820,7 @@
         </p:nvSpPr>
         <p:spPr>
           <a:xfrm>
-            <a:off x="43200" y="753887"/>
+            <a:off x="43200" y="968201"/>
             <a:ext cx="312906" cy="246221"/>
           </a:xfrm>
           <a:prstGeom prst="rect">
@@ -4432,6 +4854,1154 @@
       </p:par>
     </p:tnLst>
   </p:timing>
+</p:sld>
+</file>
+
+<file path=ppt/slides/slide15.xml><?xml version="1.0" encoding="utf-8"?>
+<p:sld xmlns:a="http://schemas.openxmlformats.org/drawingml/2006/main" xmlns:r="http://schemas.openxmlformats.org/officeDocument/2006/relationships" xmlns:p="http://schemas.openxmlformats.org/presentationml/2006/main">
+  <p:cSld>
+    <p:spTree>
+      <p:nvGrpSpPr>
+        <p:cNvPr id="1" name=""/>
+        <p:cNvGrpSpPr/>
+        <p:nvPr/>
+      </p:nvGrpSpPr>
+      <p:grpSpPr>
+        <a:xfrm>
+          <a:off x="0" y="0"/>
+          <a:ext cx="0" cy="0"/>
+          <a:chOff x="0" y="0"/>
+          <a:chExt cx="0" cy="0"/>
+        </a:xfrm>
+      </p:grpSpPr>
+      <p:sp>
+        <p:nvSpPr>
+          <p:cNvPr id="4" name="모서리가 둥근 직사각형 3"/>
+          <p:cNvSpPr/>
+          <p:nvPr/>
+        </p:nvSpPr>
+        <p:spPr>
+          <a:xfrm>
+            <a:off x="0" y="0"/>
+            <a:ext cx="3857620" cy="642942"/>
+          </a:xfrm>
+          <a:prstGeom prst="roundRect">
+            <a:avLst/>
+          </a:prstGeom>
+          <a:solidFill>
+            <a:srgbClr val="FFC000">
+              <a:alpha val="60000"/>
+            </a:srgbClr>
+          </a:solidFill>
+          <a:ln>
+            <a:noFill/>
+          </a:ln>
+        </p:spPr>
+        <p:style>
+          <a:lnRef idx="2">
+            <a:schemeClr val="accent1">
+              <a:shade val="50000"/>
+            </a:schemeClr>
+          </a:lnRef>
+          <a:fillRef idx="1">
+            <a:schemeClr val="accent1"/>
+          </a:fillRef>
+          <a:effectRef idx="0">
+            <a:schemeClr val="accent1"/>
+          </a:effectRef>
+          <a:fontRef idx="minor">
+            <a:schemeClr val="lt1"/>
+          </a:fontRef>
+        </p:style>
+        <p:txBody>
+          <a:bodyPr rtlCol="0" anchor="ctr"/>
+          <a:lstStyle/>
+          <a:p>
+            <a:pPr algn="ctr"/>
+            <a:endParaRPr lang="ko-KR" altLang="en-US"/>
+          </a:p>
+        </p:txBody>
+      </p:sp>
+      <p:sp>
+        <p:nvSpPr>
+          <p:cNvPr id="5" name="TextBox 4"/>
+          <p:cNvSpPr txBox="1"/>
+          <p:nvPr/>
+        </p:nvSpPr>
+        <p:spPr>
+          <a:xfrm>
+            <a:off x="-32" y="71414"/>
+            <a:ext cx="3929090" cy="461665"/>
+          </a:xfrm>
+          <a:prstGeom prst="rect">
+            <a:avLst/>
+          </a:prstGeom>
+          <a:noFill/>
+        </p:spPr>
+        <p:txBody>
+          <a:bodyPr wrap="square" rtlCol="0">
+            <a:spAutoFit/>
+          </a:bodyPr>
+          <a:lstStyle/>
+          <a:p>
+            <a:r>
+              <a:rPr lang="ko-KR" altLang="en-US" sz="2400" dirty="0" smtClean="0">
+                <a:latin typeface="HY견고딕" pitchFamily="18" charset="-127"/>
+                <a:ea typeface="HY견고딕" pitchFamily="18" charset="-127"/>
+              </a:rPr>
+              <a:t>취득학점 확인 및 학점관리</a:t>
+            </a:r>
+            <a:endParaRPr lang="ko-KR" altLang="en-US" sz="2400" dirty="0">
+              <a:latin typeface="HY견고딕" pitchFamily="18" charset="-127"/>
+              <a:ea typeface="HY견고딕" pitchFamily="18" charset="-127"/>
+            </a:endParaRPr>
+          </a:p>
+        </p:txBody>
+      </p:sp>
+      <p:pic>
+        <p:nvPicPr>
+          <p:cNvPr id="6" name="그림 5" descr="한라대 학점관리.jpg"/>
+          <p:cNvPicPr>
+            <a:picLocks noChangeAspect="1"/>
+          </p:cNvPicPr>
+          <p:nvPr/>
+        </p:nvPicPr>
+        <p:blipFill>
+          <a:blip r:embed="rId2"/>
+          <a:stretch>
+            <a:fillRect/>
+          </a:stretch>
+        </p:blipFill>
+        <p:spPr>
+          <a:xfrm>
+            <a:off x="357158" y="4048125"/>
+            <a:ext cx="8358246" cy="2809875"/>
+          </a:xfrm>
+          <a:prstGeom prst="rect">
+            <a:avLst/>
+          </a:prstGeom>
+        </p:spPr>
+      </p:pic>
+      <p:pic>
+        <p:nvPicPr>
+          <p:cNvPr id="7" name="그림 6" descr="학사정보시스템.jpg"/>
+          <p:cNvPicPr>
+            <a:picLocks noChangeAspect="1"/>
+          </p:cNvPicPr>
+          <p:nvPr/>
+        </p:nvPicPr>
+        <p:blipFill>
+          <a:blip r:embed="rId3"/>
+          <a:stretch>
+            <a:fillRect/>
+          </a:stretch>
+        </p:blipFill>
+        <p:spPr>
+          <a:xfrm>
+            <a:off x="1" y="714355"/>
+            <a:ext cx="4571999" cy="2990099"/>
+          </a:xfrm>
+          <a:prstGeom prst="rect">
+            <a:avLst/>
+          </a:prstGeom>
+        </p:spPr>
+      </p:pic>
+      <p:sp>
+        <p:nvSpPr>
+          <p:cNvPr id="8" name="타원 7"/>
+          <p:cNvSpPr/>
+          <p:nvPr/>
+        </p:nvSpPr>
+        <p:spPr>
+          <a:xfrm>
+            <a:off x="1571604" y="2928934"/>
+            <a:ext cx="1357322" cy="714380"/>
+          </a:xfrm>
+          <a:prstGeom prst="ellipse">
+            <a:avLst/>
+          </a:prstGeom>
+          <a:noFill/>
+          <a:ln>
+            <a:solidFill>
+              <a:srgbClr val="FF0000"/>
+            </a:solidFill>
+          </a:ln>
+          <a:effectLst>
+            <a:outerShdw blurRad="50800" dist="38100" dir="2700000" algn="tl" rotWithShape="0">
+              <a:prstClr val="black">
+                <a:alpha val="40000"/>
+              </a:prstClr>
+            </a:outerShdw>
+          </a:effectLst>
+        </p:spPr>
+        <p:style>
+          <a:lnRef idx="2">
+            <a:schemeClr val="accent1">
+              <a:shade val="50000"/>
+            </a:schemeClr>
+          </a:lnRef>
+          <a:fillRef idx="1">
+            <a:schemeClr val="accent1"/>
+          </a:fillRef>
+          <a:effectRef idx="0">
+            <a:schemeClr val="accent1"/>
+          </a:effectRef>
+          <a:fontRef idx="minor">
+            <a:schemeClr val="lt1"/>
+          </a:fontRef>
+        </p:style>
+        <p:txBody>
+          <a:bodyPr rtlCol="0" anchor="ctr"/>
+          <a:lstStyle/>
+          <a:p>
+            <a:pPr algn="ctr"/>
+            <a:endParaRPr lang="ko-KR" altLang="en-US"/>
+          </a:p>
+        </p:txBody>
+      </p:sp>
+      <p:pic>
+        <p:nvPicPr>
+          <p:cNvPr id="9" name="그림 8" descr="학사정보시스템 불편.jpg"/>
+          <p:cNvPicPr>
+            <a:picLocks noChangeAspect="1"/>
+          </p:cNvPicPr>
+          <p:nvPr/>
+        </p:nvPicPr>
+        <p:blipFill>
+          <a:blip r:embed="rId4"/>
+          <a:stretch>
+            <a:fillRect/>
+          </a:stretch>
+        </p:blipFill>
+        <p:spPr>
+          <a:xfrm>
+            <a:off x="4643438" y="714357"/>
+            <a:ext cx="4500562" cy="3429023"/>
+          </a:xfrm>
+          <a:prstGeom prst="rect">
+            <a:avLst/>
+          </a:prstGeom>
+        </p:spPr>
+      </p:pic>
+      <p:sp>
+        <p:nvSpPr>
+          <p:cNvPr id="12" name="오른쪽 화살표 11"/>
+          <p:cNvSpPr/>
+          <p:nvPr/>
+        </p:nvSpPr>
+        <p:spPr>
+          <a:xfrm>
+            <a:off x="4143372" y="2714620"/>
+            <a:ext cx="785818" cy="428628"/>
+          </a:xfrm>
+          <a:prstGeom prst="rightArrow">
+            <a:avLst/>
+          </a:prstGeom>
+          <a:solidFill>
+            <a:srgbClr val="FFC000"/>
+          </a:solidFill>
+          <a:ln>
+            <a:noFill/>
+          </a:ln>
+        </p:spPr>
+        <p:style>
+          <a:lnRef idx="2">
+            <a:schemeClr val="accent1">
+              <a:shade val="50000"/>
+            </a:schemeClr>
+          </a:lnRef>
+          <a:fillRef idx="1">
+            <a:schemeClr val="accent1"/>
+          </a:fillRef>
+          <a:effectRef idx="0">
+            <a:schemeClr val="accent1"/>
+          </a:effectRef>
+          <a:fontRef idx="minor">
+            <a:schemeClr val="lt1"/>
+          </a:fontRef>
+        </p:style>
+        <p:txBody>
+          <a:bodyPr rtlCol="0" anchor="ctr"/>
+          <a:lstStyle/>
+          <a:p>
+            <a:pPr algn="ctr"/>
+            <a:endParaRPr lang="ko-KR" altLang="en-US"/>
+          </a:p>
+        </p:txBody>
+      </p:sp>
+      <p:sp>
+        <p:nvSpPr>
+          <p:cNvPr id="13" name="오른쪽 화살표 12"/>
+          <p:cNvSpPr/>
+          <p:nvPr/>
+        </p:nvSpPr>
+        <p:spPr>
+          <a:xfrm rot="8542576">
+            <a:off x="4621123" y="3981482"/>
+            <a:ext cx="785818" cy="428628"/>
+          </a:xfrm>
+          <a:prstGeom prst="rightArrow">
+            <a:avLst/>
+          </a:prstGeom>
+          <a:solidFill>
+            <a:srgbClr val="FFC000"/>
+          </a:solidFill>
+          <a:ln>
+            <a:noFill/>
+          </a:ln>
+        </p:spPr>
+        <p:style>
+          <a:lnRef idx="2">
+            <a:schemeClr val="accent1">
+              <a:shade val="50000"/>
+            </a:schemeClr>
+          </a:lnRef>
+          <a:fillRef idx="1">
+            <a:schemeClr val="accent1"/>
+          </a:fillRef>
+          <a:effectRef idx="0">
+            <a:schemeClr val="accent1"/>
+          </a:effectRef>
+          <a:fontRef idx="minor">
+            <a:schemeClr val="lt1"/>
+          </a:fontRef>
+        </p:style>
+        <p:txBody>
+          <a:bodyPr rtlCol="0" anchor="ctr"/>
+          <a:lstStyle/>
+          <a:p>
+            <a:pPr algn="ctr"/>
+            <a:endParaRPr lang="ko-KR" altLang="en-US"/>
+          </a:p>
+        </p:txBody>
+      </p:sp>
+    </p:spTree>
+  </p:cSld>
+  <p:clrMapOvr>
+    <a:masterClrMapping/>
+  </p:clrMapOvr>
+  <p:timing>
+    <p:tnLst>
+      <p:par>
+        <p:cTn id="1" dur="indefinite" restart="never" nodeType="tmRoot"/>
+      </p:par>
+    </p:tnLst>
+  </p:timing>
+</p:sld>
+</file>
+
+<file path=ppt/slides/slide16.xml><?xml version="1.0" encoding="utf-8"?>
+<p:sld xmlns:a="http://schemas.openxmlformats.org/drawingml/2006/main" xmlns:r="http://schemas.openxmlformats.org/officeDocument/2006/relationships" xmlns:p="http://schemas.openxmlformats.org/presentationml/2006/main">
+  <p:cSld>
+    <p:spTree>
+      <p:nvGrpSpPr>
+        <p:cNvPr id="1" name=""/>
+        <p:cNvGrpSpPr/>
+        <p:nvPr/>
+      </p:nvGrpSpPr>
+      <p:grpSpPr>
+        <a:xfrm>
+          <a:off x="0" y="0"/>
+          <a:ext cx="0" cy="0"/>
+          <a:chOff x="0" y="0"/>
+          <a:chExt cx="0" cy="0"/>
+        </a:xfrm>
+      </p:grpSpPr>
+      <p:sp>
+        <p:nvSpPr>
+          <p:cNvPr id="6" name="모서리가 둥근 직사각형 5"/>
+          <p:cNvSpPr/>
+          <p:nvPr/>
+        </p:nvSpPr>
+        <p:spPr>
+          <a:xfrm>
+            <a:off x="0" y="0"/>
+            <a:ext cx="3857620" cy="642942"/>
+          </a:xfrm>
+          <a:prstGeom prst="roundRect">
+            <a:avLst/>
+          </a:prstGeom>
+          <a:solidFill>
+            <a:srgbClr val="FFC000">
+              <a:alpha val="60000"/>
+            </a:srgbClr>
+          </a:solidFill>
+          <a:ln>
+            <a:noFill/>
+          </a:ln>
+        </p:spPr>
+        <p:style>
+          <a:lnRef idx="2">
+            <a:schemeClr val="accent1">
+              <a:shade val="50000"/>
+            </a:schemeClr>
+          </a:lnRef>
+          <a:fillRef idx="1">
+            <a:schemeClr val="accent1"/>
+          </a:fillRef>
+          <a:effectRef idx="0">
+            <a:schemeClr val="accent1"/>
+          </a:effectRef>
+          <a:fontRef idx="minor">
+            <a:schemeClr val="lt1"/>
+          </a:fontRef>
+        </p:style>
+        <p:txBody>
+          <a:bodyPr rtlCol="0" anchor="ctr"/>
+          <a:lstStyle/>
+          <a:p>
+            <a:pPr algn="ctr"/>
+            <a:endParaRPr lang="ko-KR" altLang="en-US"/>
+          </a:p>
+        </p:txBody>
+      </p:sp>
+      <p:sp>
+        <p:nvSpPr>
+          <p:cNvPr id="5" name="TextBox 4"/>
+          <p:cNvSpPr txBox="1"/>
+          <p:nvPr/>
+        </p:nvSpPr>
+        <p:spPr>
+          <a:xfrm>
+            <a:off x="-32" y="71414"/>
+            <a:ext cx="3929090" cy="461665"/>
+          </a:xfrm>
+          <a:prstGeom prst="rect">
+            <a:avLst/>
+          </a:prstGeom>
+          <a:noFill/>
+        </p:spPr>
+        <p:txBody>
+          <a:bodyPr wrap="square" rtlCol="0">
+            <a:spAutoFit/>
+          </a:bodyPr>
+          <a:lstStyle/>
+          <a:p>
+            <a:r>
+              <a:rPr lang="ko-KR" altLang="en-US" sz="2400" dirty="0" smtClean="0">
+                <a:latin typeface="HY견고딕" pitchFamily="18" charset="-127"/>
+                <a:ea typeface="HY견고딕" pitchFamily="18" charset="-127"/>
+              </a:rPr>
+              <a:t>취득학점 확인 및 학점관리</a:t>
+            </a:r>
+            <a:endParaRPr lang="ko-KR" altLang="en-US" sz="2400" dirty="0">
+              <a:latin typeface="HY견고딕" pitchFamily="18" charset="-127"/>
+              <a:ea typeface="HY견고딕" pitchFamily="18" charset="-127"/>
+            </a:endParaRPr>
+          </a:p>
+        </p:txBody>
+      </p:sp>
+      <p:pic>
+        <p:nvPicPr>
+          <p:cNvPr id="7" name="그림 6" descr="학점.jpg"/>
+          <p:cNvPicPr>
+            <a:picLocks noChangeAspect="1"/>
+          </p:cNvPicPr>
+          <p:nvPr/>
+        </p:nvPicPr>
+        <p:blipFill>
+          <a:blip r:embed="rId2"/>
+          <a:stretch>
+            <a:fillRect/>
+          </a:stretch>
+        </p:blipFill>
+        <p:spPr>
+          <a:xfrm>
+            <a:off x="0" y="842982"/>
+            <a:ext cx="8001024" cy="5443538"/>
+          </a:xfrm>
+          <a:prstGeom prst="rect">
+            <a:avLst/>
+          </a:prstGeom>
+        </p:spPr>
+      </p:pic>
+    </p:spTree>
+  </p:cSld>
+  <p:clrMapOvr>
+    <a:masterClrMapping/>
+  </p:clrMapOvr>
+  <p:timing>
+    <p:tnLst>
+      <p:par>
+        <p:cTn id="1" dur="indefinite" restart="never" nodeType="tmRoot"/>
+      </p:par>
+    </p:tnLst>
+  </p:timing>
+</p:sld>
+</file>
+
+<file path=ppt/slides/slide17.xml><?xml version="1.0" encoding="utf-8"?>
+<p:sld xmlns:a="http://schemas.openxmlformats.org/drawingml/2006/main" xmlns:r="http://schemas.openxmlformats.org/officeDocument/2006/relationships" xmlns:p="http://schemas.openxmlformats.org/presentationml/2006/main">
+  <p:cSld>
+    <p:spTree>
+      <p:nvGrpSpPr>
+        <p:cNvPr id="1" name=""/>
+        <p:cNvGrpSpPr/>
+        <p:nvPr/>
+      </p:nvGrpSpPr>
+      <p:grpSpPr>
+        <a:xfrm>
+          <a:off x="0" y="0"/>
+          <a:ext cx="0" cy="0"/>
+          <a:chOff x="0" y="0"/>
+          <a:chExt cx="0" cy="0"/>
+        </a:xfrm>
+      </p:grpSpPr>
+      <p:sp>
+        <p:nvSpPr>
+          <p:cNvPr id="4" name="모서리가 둥근 직사각형 3"/>
+          <p:cNvSpPr/>
+          <p:nvPr/>
+        </p:nvSpPr>
+        <p:spPr>
+          <a:xfrm>
+            <a:off x="0" y="0"/>
+            <a:ext cx="3857620" cy="642942"/>
+          </a:xfrm>
+          <a:prstGeom prst="roundRect">
+            <a:avLst/>
+          </a:prstGeom>
+          <a:solidFill>
+            <a:srgbClr val="FFC000">
+              <a:alpha val="60000"/>
+            </a:srgbClr>
+          </a:solidFill>
+          <a:ln>
+            <a:noFill/>
+          </a:ln>
+        </p:spPr>
+        <p:style>
+          <a:lnRef idx="2">
+            <a:schemeClr val="accent1">
+              <a:shade val="50000"/>
+            </a:schemeClr>
+          </a:lnRef>
+          <a:fillRef idx="1">
+            <a:schemeClr val="accent1"/>
+          </a:fillRef>
+          <a:effectRef idx="0">
+            <a:schemeClr val="accent1"/>
+          </a:effectRef>
+          <a:fontRef idx="minor">
+            <a:schemeClr val="lt1"/>
+          </a:fontRef>
+        </p:style>
+        <p:txBody>
+          <a:bodyPr rtlCol="0" anchor="ctr"/>
+          <a:lstStyle/>
+          <a:p>
+            <a:pPr algn="ctr"/>
+            <a:endParaRPr lang="ko-KR" altLang="en-US"/>
+          </a:p>
+        </p:txBody>
+      </p:sp>
+      <p:sp>
+        <p:nvSpPr>
+          <p:cNvPr id="5" name="TextBox 4"/>
+          <p:cNvSpPr txBox="1"/>
+          <p:nvPr/>
+        </p:nvSpPr>
+        <p:spPr>
+          <a:xfrm>
+            <a:off x="-32" y="71414"/>
+            <a:ext cx="3786214" cy="461665"/>
+          </a:xfrm>
+          <a:prstGeom prst="rect">
+            <a:avLst/>
+          </a:prstGeom>
+          <a:noFill/>
+        </p:spPr>
+        <p:txBody>
+          <a:bodyPr wrap="square" rtlCol="0">
+            <a:spAutoFit/>
+          </a:bodyPr>
+          <a:lstStyle/>
+          <a:p>
+            <a:r>
+              <a:rPr lang="ko-KR" altLang="en-US" sz="2400" dirty="0" smtClean="0">
+                <a:latin typeface="HY견고딕" pitchFamily="18" charset="-127"/>
+                <a:ea typeface="HY견고딕" pitchFamily="18" charset="-127"/>
+              </a:rPr>
+              <a:t>예비수강 </a:t>
+            </a:r>
+            <a:r>
+              <a:rPr lang="en-US" altLang="ko-KR" sz="2400" dirty="0" smtClean="0">
+                <a:latin typeface="HY견고딕" pitchFamily="18" charset="-127"/>
+                <a:ea typeface="HY견고딕" pitchFamily="18" charset="-127"/>
+              </a:rPr>
+              <a:t>+ </a:t>
+            </a:r>
+            <a:r>
+              <a:rPr lang="ko-KR" altLang="en-US" sz="2400" dirty="0" smtClean="0">
+                <a:latin typeface="HY견고딕" pitchFamily="18" charset="-127"/>
+                <a:ea typeface="HY견고딕" pitchFamily="18" charset="-127"/>
+              </a:rPr>
+              <a:t>학점관리 </a:t>
+            </a:r>
+            <a:r>
+              <a:rPr lang="en-US" altLang="ko-KR" sz="2400" dirty="0" smtClean="0">
+                <a:latin typeface="HY견고딕" pitchFamily="18" charset="-127"/>
+                <a:ea typeface="HY견고딕" pitchFamily="18" charset="-127"/>
+              </a:rPr>
+              <a:t>= ?</a:t>
+            </a:r>
+            <a:endParaRPr lang="ko-KR" altLang="en-US" sz="2400" dirty="0">
+              <a:latin typeface="HY견고딕" pitchFamily="18" charset="-127"/>
+              <a:ea typeface="HY견고딕" pitchFamily="18" charset="-127"/>
+            </a:endParaRPr>
+          </a:p>
+        </p:txBody>
+      </p:sp>
+      <p:pic>
+        <p:nvPicPr>
+          <p:cNvPr id="6" name="그림 5" descr="가천대 예비수강내역조회.JPG"/>
+          <p:cNvPicPr>
+            <a:picLocks noChangeAspect="1"/>
+          </p:cNvPicPr>
+          <p:nvPr/>
+        </p:nvPicPr>
+        <p:blipFill>
+          <a:blip r:embed="rId2"/>
+          <a:stretch>
+            <a:fillRect/>
+          </a:stretch>
+        </p:blipFill>
+        <p:spPr>
+          <a:xfrm>
+            <a:off x="0" y="642918"/>
+            <a:ext cx="3857620" cy="6215082"/>
+          </a:xfrm>
+          <a:prstGeom prst="rect">
+            <a:avLst/>
+          </a:prstGeom>
+        </p:spPr>
+      </p:pic>
+      <p:sp>
+        <p:nvSpPr>
+          <p:cNvPr id="7" name="덧셈 기호 6"/>
+          <p:cNvSpPr/>
+          <p:nvPr/>
+        </p:nvSpPr>
+        <p:spPr>
+          <a:xfrm>
+            <a:off x="3428992" y="2928934"/>
+            <a:ext cx="1000132" cy="1000132"/>
+          </a:xfrm>
+          <a:prstGeom prst="mathPlus">
+            <a:avLst/>
+          </a:prstGeom>
+          <a:solidFill>
+            <a:schemeClr val="tx1">
+              <a:lumMod val="95000"/>
+              <a:lumOff val="5000"/>
+            </a:schemeClr>
+          </a:solidFill>
+          <a:ln>
+            <a:noFill/>
+          </a:ln>
+        </p:spPr>
+        <p:style>
+          <a:lnRef idx="2">
+            <a:schemeClr val="accent1">
+              <a:shade val="50000"/>
+            </a:schemeClr>
+          </a:lnRef>
+          <a:fillRef idx="1">
+            <a:schemeClr val="accent1"/>
+          </a:fillRef>
+          <a:effectRef idx="0">
+            <a:schemeClr val="accent1"/>
+          </a:effectRef>
+          <a:fontRef idx="minor">
+            <a:schemeClr val="lt1"/>
+          </a:fontRef>
+        </p:style>
+        <p:txBody>
+          <a:bodyPr rtlCol="0" anchor="ctr"/>
+          <a:lstStyle/>
+          <a:p>
+            <a:pPr algn="ctr"/>
+            <a:endParaRPr lang="ko-KR" altLang="en-US"/>
+          </a:p>
+        </p:txBody>
+      </p:sp>
+      <p:pic>
+        <p:nvPicPr>
+          <p:cNvPr id="8" name="그림 7" descr="한라대 학점관리.jpg"/>
+          <p:cNvPicPr>
+            <a:picLocks noChangeAspect="1"/>
+          </p:cNvPicPr>
+          <p:nvPr/>
+        </p:nvPicPr>
+        <p:blipFill>
+          <a:blip r:embed="rId3"/>
+          <a:stretch>
+            <a:fillRect/>
+          </a:stretch>
+        </p:blipFill>
+        <p:spPr>
+          <a:xfrm>
+            <a:off x="4429124" y="1833571"/>
+            <a:ext cx="4714876" cy="3667131"/>
+          </a:xfrm>
+          <a:prstGeom prst="rect">
+            <a:avLst/>
+          </a:prstGeom>
+        </p:spPr>
+      </p:pic>
+    </p:spTree>
+  </p:cSld>
+  <p:clrMapOvr>
+    <a:masterClrMapping/>
+  </p:clrMapOvr>
+  <p:timing>
+    <p:tnLst>
+      <p:par>
+        <p:cTn id="1" dur="indefinite" restart="never" nodeType="tmRoot">
+          <p:childTnLst>
+            <p:seq concurrent="1" nextAc="seek">
+              <p:cTn id="2" dur="indefinite" nodeType="mainSeq">
+                <p:childTnLst>
+                  <p:par>
+                    <p:cTn id="3" fill="hold">
+                      <p:stCondLst>
+                        <p:cond delay="indefinite"/>
+                      </p:stCondLst>
+                      <p:childTnLst>
+                        <p:par>
+                          <p:cTn id="4" fill="hold">
+                            <p:stCondLst>
+                              <p:cond delay="0"/>
+                            </p:stCondLst>
+                            <p:childTnLst>
+                              <p:par>
+                                <p:cTn id="5" presetID="1" presetClass="exit" presetSubtype="0" fill="hold" grpId="0" nodeType="clickEffect">
+                                  <p:stCondLst>
+                                    <p:cond delay="0"/>
+                                  </p:stCondLst>
+                                  <p:childTnLst>
+                                    <p:set>
+                                      <p:cBhvr>
+                                        <p:cTn id="6" dur="1" fill="hold">
+                                          <p:stCondLst>
+                                            <p:cond delay="0"/>
+                                          </p:stCondLst>
+                                        </p:cTn>
+                                        <p:tgtEl>
+                                          <p:spTgt spid="7"/>
+                                        </p:tgtEl>
+                                        <p:attrNameLst>
+                                          <p:attrName>style.visibility</p:attrName>
+                                        </p:attrNameLst>
+                                      </p:cBhvr>
+                                      <p:to>
+                                        <p:strVal val="hidden"/>
+                                      </p:to>
+                                    </p:set>
+                                  </p:childTnLst>
+                                </p:cTn>
+                              </p:par>
+                            </p:childTnLst>
+                          </p:cTn>
+                        </p:par>
+                      </p:childTnLst>
+                    </p:cTn>
+                  </p:par>
+                  <p:par>
+                    <p:cTn id="7" fill="hold">
+                      <p:stCondLst>
+                        <p:cond delay="indefinite"/>
+                      </p:stCondLst>
+                      <p:childTnLst>
+                        <p:par>
+                          <p:cTn id="8" fill="hold">
+                            <p:stCondLst>
+                              <p:cond delay="0"/>
+                            </p:stCondLst>
+                            <p:childTnLst>
+                              <p:par>
+                                <p:cTn id="9" presetID="63" presetClass="path" presetSubtype="0" accel="50000" decel="50000" fill="hold" nodeType="clickEffect">
+                                  <p:stCondLst>
+                                    <p:cond delay="0"/>
+                                  </p:stCondLst>
+                                  <p:childTnLst>
+                                    <p:animMotion origin="layout" path="M 2.5E-6 1.71177E-7 L 0.28906 1.71177E-7 " pathEditMode="relative" rAng="0" ptsTypes="AA">
+                                      <p:cBhvr>
+                                        <p:cTn id="10" dur="2000" fill="hold"/>
+                                        <p:tgtEl>
+                                          <p:spTgt spid="6"/>
+                                        </p:tgtEl>
+                                        <p:attrNameLst>
+                                          <p:attrName>ppt_x</p:attrName>
+                                          <p:attrName>ppt_y</p:attrName>
+                                        </p:attrNameLst>
+                                      </p:cBhvr>
+                                      <p:rCtr x="144" y="0"/>
+                                    </p:animMotion>
+                                  </p:childTnLst>
+                                </p:cTn>
+                              </p:par>
+                            </p:childTnLst>
+                          </p:cTn>
+                        </p:par>
+                      </p:childTnLst>
+                    </p:cTn>
+                  </p:par>
+                  <p:par>
+                    <p:cTn id="11" fill="hold">
+                      <p:stCondLst>
+                        <p:cond delay="indefinite"/>
+                      </p:stCondLst>
+                      <p:childTnLst>
+                        <p:par>
+                          <p:cTn id="12" fill="hold">
+                            <p:stCondLst>
+                              <p:cond delay="0"/>
+                            </p:stCondLst>
+                            <p:childTnLst>
+                              <p:par>
+                                <p:cTn id="13" presetID="35" presetClass="path" presetSubtype="0" accel="50000" decel="50000" fill="hold" nodeType="clickEffect">
+                                  <p:stCondLst>
+                                    <p:cond delay="0"/>
+                                  </p:stCondLst>
+                                  <p:childTnLst>
+                                    <p:animMotion origin="layout" path="M 0 0  L -0.25 0  E" pathEditMode="relative" ptsTypes="">
+                                      <p:cBhvr>
+                                        <p:cTn id="14" dur="2000" fill="hold"/>
+                                        <p:tgtEl>
+                                          <p:spTgt spid="8"/>
+                                        </p:tgtEl>
+                                        <p:attrNameLst>
+                                          <p:attrName>ppt_x</p:attrName>
+                                          <p:attrName>ppt_y</p:attrName>
+                                        </p:attrNameLst>
+                                      </p:cBhvr>
+                                    </p:animMotion>
+                                  </p:childTnLst>
+                                </p:cTn>
+                              </p:par>
+                            </p:childTnLst>
+                          </p:cTn>
+                        </p:par>
+                      </p:childTnLst>
+                    </p:cTn>
+                  </p:par>
+                </p:childTnLst>
+              </p:cTn>
+              <p:prevCondLst>
+                <p:cond evt="onPrev" delay="0">
+                  <p:tgtEl>
+                    <p:sldTgt/>
+                  </p:tgtEl>
+                </p:cond>
+              </p:prevCondLst>
+              <p:nextCondLst>
+                <p:cond evt="onNext" delay="0">
+                  <p:tgtEl>
+                    <p:sldTgt/>
+                  </p:tgtEl>
+                </p:cond>
+              </p:nextCondLst>
+            </p:seq>
+          </p:childTnLst>
+        </p:cTn>
+      </p:par>
+    </p:tnLst>
+    <p:bldLst>
+      <p:bldP spid="7" grpId="0" animBg="1"/>
+    </p:bldLst>
+  </p:timing>
+</p:sld>
+</file>
+
+<file path=ppt/slides/slide18.xml><?xml version="1.0" encoding="utf-8"?>
+<p:sld xmlns:a="http://schemas.openxmlformats.org/drawingml/2006/main" xmlns:r="http://schemas.openxmlformats.org/officeDocument/2006/relationships" xmlns:p="http://schemas.openxmlformats.org/presentationml/2006/main">
+  <p:cSld>
+    <p:spTree>
+      <p:nvGrpSpPr>
+        <p:cNvPr id="1" name=""/>
+        <p:cNvGrpSpPr/>
+        <p:nvPr/>
+      </p:nvGrpSpPr>
+      <p:grpSpPr>
+        <a:xfrm>
+          <a:off x="0" y="0"/>
+          <a:ext cx="0" cy="0"/>
+          <a:chOff x="0" y="0"/>
+          <a:chExt cx="0" cy="0"/>
+        </a:xfrm>
+      </p:grpSpPr>
+      <p:sp>
+        <p:nvSpPr>
+          <p:cNvPr id="4" name="모서리가 둥근 직사각형 3"/>
+          <p:cNvSpPr/>
+          <p:nvPr/>
+        </p:nvSpPr>
+        <p:spPr>
+          <a:xfrm>
+            <a:off x="0" y="0"/>
+            <a:ext cx="1500166" cy="642942"/>
+          </a:xfrm>
+          <a:prstGeom prst="roundRect">
+            <a:avLst/>
+          </a:prstGeom>
+          <a:solidFill>
+            <a:srgbClr val="FFC000">
+              <a:alpha val="60000"/>
+            </a:srgbClr>
+          </a:solidFill>
+          <a:ln>
+            <a:noFill/>
+          </a:ln>
+        </p:spPr>
+        <p:style>
+          <a:lnRef idx="2">
+            <a:schemeClr val="accent1">
+              <a:shade val="50000"/>
+            </a:schemeClr>
+          </a:lnRef>
+          <a:fillRef idx="1">
+            <a:schemeClr val="accent1"/>
+          </a:fillRef>
+          <a:effectRef idx="0">
+            <a:schemeClr val="accent1"/>
+          </a:effectRef>
+          <a:fontRef idx="minor">
+            <a:schemeClr val="lt1"/>
+          </a:fontRef>
+        </p:style>
+        <p:txBody>
+          <a:bodyPr rtlCol="0" anchor="ctr"/>
+          <a:lstStyle/>
+          <a:p>
+            <a:pPr algn="ctr"/>
+            <a:endParaRPr lang="ko-KR" altLang="en-US"/>
+          </a:p>
+        </p:txBody>
+      </p:sp>
+      <p:sp>
+        <p:nvSpPr>
+          <p:cNvPr id="5" name="TextBox 4"/>
+          <p:cNvSpPr txBox="1"/>
+          <p:nvPr/>
+        </p:nvSpPr>
+        <p:spPr>
+          <a:xfrm>
+            <a:off x="-32" y="71414"/>
+            <a:ext cx="1428760" cy="461665"/>
+          </a:xfrm>
+          <a:prstGeom prst="rect">
+            <a:avLst/>
+          </a:prstGeom>
+          <a:noFill/>
+        </p:spPr>
+        <p:txBody>
+          <a:bodyPr wrap="square" rtlCol="0">
+            <a:spAutoFit/>
+          </a:bodyPr>
+          <a:lstStyle/>
+          <a:p>
+            <a:r>
+              <a:rPr lang="ko-KR" altLang="en-US" sz="2400" dirty="0" smtClean="0">
+                <a:latin typeface="HY견고딕" pitchFamily="18" charset="-127"/>
+                <a:ea typeface="HY견고딕" pitchFamily="18" charset="-127"/>
+              </a:rPr>
+              <a:t>팀원역할</a:t>
+            </a:r>
+            <a:endParaRPr lang="ko-KR" altLang="en-US" sz="2400" dirty="0">
+              <a:latin typeface="HY견고딕" pitchFamily="18" charset="-127"/>
+              <a:ea typeface="HY견고딕" pitchFamily="18" charset="-127"/>
+            </a:endParaRPr>
+          </a:p>
+        </p:txBody>
+      </p:sp>
+      <p:pic>
+        <p:nvPicPr>
+          <p:cNvPr id="6" name="그림 5" descr="GitHub 팀원관리.jpg"/>
+          <p:cNvPicPr>
+            <a:picLocks noChangeAspect="1"/>
+          </p:cNvPicPr>
+          <p:nvPr/>
+        </p:nvPicPr>
+        <p:blipFill>
+          <a:blip r:embed="rId2"/>
+          <a:stretch>
+            <a:fillRect/>
+          </a:stretch>
+        </p:blipFill>
+        <p:spPr>
+          <a:xfrm>
+            <a:off x="0" y="1714488"/>
+            <a:ext cx="9144000" cy="4572000"/>
+          </a:xfrm>
+          <a:prstGeom prst="rect">
+            <a:avLst/>
+          </a:prstGeom>
+        </p:spPr>
+      </p:pic>
+      <p:sp>
+        <p:nvSpPr>
+          <p:cNvPr id="7" name="TextBox 6"/>
+          <p:cNvSpPr txBox="1"/>
+          <p:nvPr/>
+        </p:nvSpPr>
+        <p:spPr>
+          <a:xfrm>
+            <a:off x="131156" y="785794"/>
+            <a:ext cx="2924198" cy="400110"/>
+          </a:xfrm>
+          <a:prstGeom prst="rect">
+            <a:avLst/>
+          </a:prstGeom>
+          <a:noFill/>
+        </p:spPr>
+        <p:txBody>
+          <a:bodyPr wrap="none" rtlCol="0">
+            <a:spAutoFit/>
+          </a:bodyPr>
+          <a:lstStyle/>
+          <a:p>
+            <a:r>
+              <a:rPr lang="en-US" altLang="ko-KR" sz="2000" b="1" dirty="0" smtClean="0"/>
+              <a:t>- </a:t>
+            </a:r>
+            <a:r>
+              <a:rPr lang="en-US" altLang="ko-KR" sz="2000" b="1" dirty="0" err="1" smtClean="0"/>
+              <a:t>Github</a:t>
+            </a:r>
+            <a:r>
+              <a:rPr lang="en-US" altLang="ko-KR" sz="2000" b="1" dirty="0" smtClean="0"/>
+              <a:t> </a:t>
+            </a:r>
+            <a:r>
+              <a:rPr lang="ko-KR" altLang="en-US" sz="2000" b="1" dirty="0" smtClean="0"/>
+              <a:t>저장소를 이용</a:t>
+            </a:r>
+            <a:endParaRPr lang="ko-KR" altLang="en-US" sz="2000" b="1" dirty="0"/>
+          </a:p>
+        </p:txBody>
+      </p:sp>
+    </p:spTree>
+  </p:cSld>
+  <p:clrMapOvr>
+    <a:masterClrMapping/>
+  </p:clrMapOvr>
+  <p:timing>
+    <p:tnLst>
+      <p:par>
+        <p:cTn id="1" dur="indefinite" restart="never" nodeType="tmRoot"/>
+      </p:par>
+    </p:tnLst>
+  </p:timing>
+</p:sld>
+</file>
+
+<file path=ppt/slides/slide19.xml><?xml version="1.0" encoding="utf-8"?>
+<p:sld xmlns:a="http://schemas.openxmlformats.org/drawingml/2006/main" xmlns:r="http://schemas.openxmlformats.org/officeDocument/2006/relationships" xmlns:p="http://schemas.openxmlformats.org/presentationml/2006/main">
+  <p:cSld>
+    <p:spTree>
+      <p:nvGrpSpPr>
+        <p:cNvPr id="1" name=""/>
+        <p:cNvGrpSpPr/>
+        <p:nvPr/>
+      </p:nvGrpSpPr>
+      <p:grpSpPr>
+        <a:xfrm>
+          <a:off x="0" y="0"/>
+          <a:ext cx="0" cy="0"/>
+          <a:chOff x="0" y="0"/>
+          <a:chExt cx="0" cy="0"/>
+        </a:xfrm>
+      </p:grpSpPr>
+      <p:sp>
+        <p:nvSpPr>
+          <p:cNvPr id="4" name="모서리가 둥근 직사각형 3"/>
+          <p:cNvSpPr/>
+          <p:nvPr/>
+        </p:nvSpPr>
+        <p:spPr>
+          <a:xfrm>
+            <a:off x="3500430" y="2857496"/>
+            <a:ext cx="1571636" cy="714380"/>
+          </a:xfrm>
+          <a:prstGeom prst="roundRect">
+            <a:avLst/>
+          </a:prstGeom>
+          <a:solidFill>
+            <a:srgbClr val="FFC000">
+              <a:alpha val="60000"/>
+            </a:srgbClr>
+          </a:solidFill>
+          <a:ln>
+            <a:noFill/>
+          </a:ln>
+        </p:spPr>
+        <p:style>
+          <a:lnRef idx="2">
+            <a:schemeClr val="accent1">
+              <a:shade val="50000"/>
+            </a:schemeClr>
+          </a:lnRef>
+          <a:fillRef idx="1">
+            <a:schemeClr val="accent1"/>
+          </a:fillRef>
+          <a:effectRef idx="0">
+            <a:schemeClr val="accent1"/>
+          </a:effectRef>
+          <a:fontRef idx="minor">
+            <a:schemeClr val="lt1"/>
+          </a:fontRef>
+        </p:style>
+        <p:txBody>
+          <a:bodyPr rtlCol="0" anchor="ctr"/>
+          <a:lstStyle/>
+          <a:p>
+            <a:pPr algn="ctr"/>
+            <a:endParaRPr lang="ko-KR" altLang="en-US"/>
+          </a:p>
+        </p:txBody>
+      </p:sp>
+      <p:sp>
+        <p:nvSpPr>
+          <p:cNvPr id="5" name="TextBox 4"/>
+          <p:cNvSpPr txBox="1"/>
+          <p:nvPr/>
+        </p:nvSpPr>
+        <p:spPr>
+          <a:xfrm>
+            <a:off x="3857620" y="2967335"/>
+            <a:ext cx="928694" cy="461665"/>
+          </a:xfrm>
+          <a:prstGeom prst="rect">
+            <a:avLst/>
+          </a:prstGeom>
+          <a:noFill/>
+        </p:spPr>
+        <p:txBody>
+          <a:bodyPr wrap="square" rtlCol="0">
+            <a:spAutoFit/>
+          </a:bodyPr>
+          <a:lstStyle/>
+          <a:p>
+            <a:r>
+              <a:rPr lang="en-US" altLang="ko-KR" sz="2400" dirty="0" smtClean="0">
+                <a:latin typeface="HY견고딕" pitchFamily="18" charset="-127"/>
+                <a:ea typeface="HY견고딕" pitchFamily="18" charset="-127"/>
+              </a:rPr>
+              <a:t>END</a:t>
+            </a:r>
+            <a:endParaRPr lang="ko-KR" altLang="en-US" sz="2400" dirty="0">
+              <a:latin typeface="HY견고딕" pitchFamily="18" charset="-127"/>
+              <a:ea typeface="HY견고딕" pitchFamily="18" charset="-127"/>
+            </a:endParaRPr>
+          </a:p>
+        </p:txBody>
+      </p:sp>
+    </p:spTree>
+  </p:cSld>
+  <p:clrMapOvr>
+    <a:masterClrMapping/>
+  </p:clrMapOvr>
 </p:sld>
 </file>
 
@@ -4452,6 +6022,155 @@
           <a:chExt cx="0" cy="0"/>
         </a:xfrm>
       </p:grpSpPr>
+      <p:sp>
+        <p:nvSpPr>
+          <p:cNvPr id="17" name="직사각형 16"/>
+          <p:cNvSpPr/>
+          <p:nvPr/>
+        </p:nvSpPr>
+        <p:spPr>
+          <a:xfrm>
+            <a:off x="0" y="4000504"/>
+            <a:ext cx="3357554" cy="357190"/>
+          </a:xfrm>
+          <a:prstGeom prst="rect">
+            <a:avLst/>
+          </a:prstGeom>
+          <a:solidFill>
+            <a:schemeClr val="accent6">
+              <a:lumMod val="60000"/>
+              <a:lumOff val="40000"/>
+              <a:alpha val="70000"/>
+            </a:schemeClr>
+          </a:solidFill>
+          <a:ln>
+            <a:noFill/>
+          </a:ln>
+        </p:spPr>
+        <p:style>
+          <a:lnRef idx="2">
+            <a:schemeClr val="accent1">
+              <a:shade val="50000"/>
+            </a:schemeClr>
+          </a:lnRef>
+          <a:fillRef idx="1">
+            <a:schemeClr val="accent1"/>
+          </a:fillRef>
+          <a:effectRef idx="0">
+            <a:schemeClr val="accent1"/>
+          </a:effectRef>
+          <a:fontRef idx="minor">
+            <a:schemeClr val="lt1"/>
+          </a:fontRef>
+        </p:style>
+        <p:txBody>
+          <a:bodyPr rtlCol="0" anchor="ctr"/>
+          <a:lstStyle/>
+          <a:p>
+            <a:pPr algn="ctr"/>
+            <a:endParaRPr lang="ko-KR" altLang="en-US"/>
+          </a:p>
+        </p:txBody>
+      </p:sp>
+      <p:sp>
+        <p:nvSpPr>
+          <p:cNvPr id="16" name="직사각형 15"/>
+          <p:cNvSpPr/>
+          <p:nvPr/>
+        </p:nvSpPr>
+        <p:spPr>
+          <a:xfrm>
+            <a:off x="0" y="1214422"/>
+            <a:ext cx="5214942" cy="357190"/>
+          </a:xfrm>
+          <a:prstGeom prst="rect">
+            <a:avLst/>
+          </a:prstGeom>
+          <a:solidFill>
+            <a:schemeClr val="accent6">
+              <a:lumMod val="60000"/>
+              <a:lumOff val="40000"/>
+              <a:alpha val="70000"/>
+            </a:schemeClr>
+          </a:solidFill>
+          <a:ln>
+            <a:noFill/>
+          </a:ln>
+        </p:spPr>
+        <p:style>
+          <a:lnRef idx="2">
+            <a:schemeClr val="accent1">
+              <a:shade val="50000"/>
+            </a:schemeClr>
+          </a:lnRef>
+          <a:fillRef idx="1">
+            <a:schemeClr val="accent1"/>
+          </a:fillRef>
+          <a:effectRef idx="0">
+            <a:schemeClr val="accent1"/>
+          </a:effectRef>
+          <a:fontRef idx="minor">
+            <a:schemeClr val="lt1"/>
+          </a:fontRef>
+        </p:style>
+        <p:txBody>
+          <a:bodyPr rtlCol="0" anchor="ctr"/>
+          <a:lstStyle/>
+          <a:p>
+            <a:pPr algn="ctr"/>
+            <a:endParaRPr lang="ko-KR" altLang="en-US"/>
+          </a:p>
+        </p:txBody>
+      </p:sp>
+      <p:sp>
+        <p:nvSpPr>
+          <p:cNvPr id="15" name="모서리가 둥근 직사각형 14"/>
+          <p:cNvSpPr/>
+          <p:nvPr/>
+        </p:nvSpPr>
+        <p:spPr>
+          <a:xfrm>
+            <a:off x="0" y="142852"/>
+            <a:ext cx="1643042" cy="642942"/>
+          </a:xfrm>
+          <a:prstGeom prst="roundRect">
+            <a:avLst/>
+          </a:prstGeom>
+          <a:solidFill>
+            <a:srgbClr val="FFC000">
+              <a:alpha val="60000"/>
+            </a:srgbClr>
+          </a:solidFill>
+          <a:ln>
+            <a:noFill/>
+          </a:ln>
+          <a:effectLst/>
+        </p:spPr>
+        <p:style>
+          <a:lnRef idx="2">
+            <a:schemeClr val="accent1">
+              <a:shade val="50000"/>
+            </a:schemeClr>
+          </a:lnRef>
+          <a:fillRef idx="1">
+            <a:schemeClr val="accent1"/>
+          </a:fillRef>
+          <a:effectRef idx="0">
+            <a:schemeClr val="accent1"/>
+          </a:effectRef>
+          <a:fontRef idx="minor">
+            <a:schemeClr val="lt1"/>
+          </a:fontRef>
+        </p:style>
+        <p:txBody>
+          <a:bodyPr rtlCol="0" anchor="ctr"/>
+          <a:lstStyle/>
+          <a:p>
+            <a:pPr algn="ctr"/>
+            <a:endParaRPr lang="ko-KR" altLang="en-US"/>
+          </a:p>
+        </p:txBody>
+      </p:sp>
       <p:sp>
         <p:nvSpPr>
           <p:cNvPr id="4" name="TextBox 3"/>
@@ -4873,6 +6592,54 @@
           <a:chExt cx="0" cy="0"/>
         </a:xfrm>
       </p:grpSpPr>
+      <p:sp>
+        <p:nvSpPr>
+          <p:cNvPr id="6" name="모서리가 둥근 직사각형 5"/>
+          <p:cNvSpPr/>
+          <p:nvPr/>
+        </p:nvSpPr>
+        <p:spPr>
+          <a:xfrm>
+            <a:off x="0" y="0"/>
+            <a:ext cx="2428860" cy="642942"/>
+          </a:xfrm>
+          <a:prstGeom prst="roundRect">
+            <a:avLst/>
+          </a:prstGeom>
+          <a:solidFill>
+            <a:srgbClr val="FFC000">
+              <a:alpha val="60000"/>
+            </a:srgbClr>
+          </a:solidFill>
+          <a:ln>
+            <a:noFill/>
+          </a:ln>
+        </p:spPr>
+        <p:style>
+          <a:lnRef idx="2">
+            <a:schemeClr val="accent1">
+              <a:shade val="50000"/>
+            </a:schemeClr>
+          </a:lnRef>
+          <a:fillRef idx="1">
+            <a:schemeClr val="accent1"/>
+          </a:fillRef>
+          <a:effectRef idx="0">
+            <a:schemeClr val="accent1"/>
+          </a:effectRef>
+          <a:fontRef idx="minor">
+            <a:schemeClr val="lt1"/>
+          </a:fontRef>
+        </p:style>
+        <p:txBody>
+          <a:bodyPr rtlCol="0" anchor="ctr"/>
+          <a:lstStyle/>
+          <a:p>
+            <a:pPr algn="ctr"/>
+            <a:endParaRPr lang="ko-KR" altLang="en-US"/>
+          </a:p>
+        </p:txBody>
+      </p:sp>
       <p:sp>
         <p:nvSpPr>
           <p:cNvPr id="4" name="TextBox 3"/>
@@ -4967,6 +6734,54 @@
       </p:grpSpPr>
       <p:sp>
         <p:nvSpPr>
+          <p:cNvPr id="7" name="모서리가 둥근 직사각형 6"/>
+          <p:cNvSpPr/>
+          <p:nvPr/>
+        </p:nvSpPr>
+        <p:spPr>
+          <a:xfrm>
+            <a:off x="0" y="0"/>
+            <a:ext cx="2428860" cy="642942"/>
+          </a:xfrm>
+          <a:prstGeom prst="roundRect">
+            <a:avLst/>
+          </a:prstGeom>
+          <a:solidFill>
+            <a:srgbClr val="FFC000">
+              <a:alpha val="60000"/>
+            </a:srgbClr>
+          </a:solidFill>
+          <a:ln>
+            <a:noFill/>
+          </a:ln>
+        </p:spPr>
+        <p:style>
+          <a:lnRef idx="2">
+            <a:schemeClr val="accent1">
+              <a:shade val="50000"/>
+            </a:schemeClr>
+          </a:lnRef>
+          <a:fillRef idx="1">
+            <a:schemeClr val="accent1"/>
+          </a:fillRef>
+          <a:effectRef idx="0">
+            <a:schemeClr val="accent1"/>
+          </a:effectRef>
+          <a:fontRef idx="minor">
+            <a:schemeClr val="lt1"/>
+          </a:fontRef>
+        </p:style>
+        <p:txBody>
+          <a:bodyPr rtlCol="0" anchor="ctr"/>
+          <a:lstStyle/>
+          <a:p>
+            <a:pPr algn="ctr"/>
+            <a:endParaRPr lang="ko-KR" altLang="en-US"/>
+          </a:p>
+        </p:txBody>
+      </p:sp>
+      <p:sp>
+        <p:nvSpPr>
           <p:cNvPr id="4" name="TextBox 3"/>
           <p:cNvSpPr txBox="1"/>
           <p:nvPr/>
@@ -5017,8 +6832,8 @@
         </p:blipFill>
         <p:spPr>
           <a:xfrm>
-            <a:off x="0" y="571480"/>
-            <a:ext cx="4850606" cy="6286520"/>
+            <a:off x="0" y="642918"/>
+            <a:ext cx="4850606" cy="6215082"/>
           </a:xfrm>
           <a:prstGeom prst="rect">
             <a:avLst/>
@@ -5041,8 +6856,8 @@
         </p:blipFill>
         <p:spPr>
           <a:xfrm>
-            <a:off x="4786314" y="571480"/>
-            <a:ext cx="4357686" cy="6286520"/>
+            <a:off x="4786314" y="642918"/>
+            <a:ext cx="4357686" cy="6215082"/>
           </a:xfrm>
           <a:prstGeom prst="rect">
             <a:avLst/>
@@ -5083,6 +6898,54 @@
       </p:grpSpPr>
       <p:sp>
         <p:nvSpPr>
+          <p:cNvPr id="7" name="모서리가 둥근 직사각형 6"/>
+          <p:cNvSpPr/>
+          <p:nvPr/>
+        </p:nvSpPr>
+        <p:spPr>
+          <a:xfrm>
+            <a:off x="0" y="0"/>
+            <a:ext cx="2428860" cy="642942"/>
+          </a:xfrm>
+          <a:prstGeom prst="roundRect">
+            <a:avLst/>
+          </a:prstGeom>
+          <a:solidFill>
+            <a:srgbClr val="FFC000">
+              <a:alpha val="60000"/>
+            </a:srgbClr>
+          </a:solidFill>
+          <a:ln>
+            <a:noFill/>
+          </a:ln>
+        </p:spPr>
+        <p:style>
+          <a:lnRef idx="2">
+            <a:schemeClr val="accent1">
+              <a:shade val="50000"/>
+            </a:schemeClr>
+          </a:lnRef>
+          <a:fillRef idx="1">
+            <a:schemeClr val="accent1"/>
+          </a:fillRef>
+          <a:effectRef idx="0">
+            <a:schemeClr val="accent1"/>
+          </a:effectRef>
+          <a:fontRef idx="minor">
+            <a:schemeClr val="lt1"/>
+          </a:fontRef>
+        </p:style>
+        <p:txBody>
+          <a:bodyPr rtlCol="0" anchor="ctr"/>
+          <a:lstStyle/>
+          <a:p>
+            <a:pPr algn="ctr"/>
+            <a:endParaRPr lang="ko-KR" altLang="en-US"/>
+          </a:p>
+        </p:txBody>
+      </p:sp>
+      <p:sp>
+        <p:nvSpPr>
           <p:cNvPr id="4" name="TextBox 3"/>
           <p:cNvSpPr txBox="1"/>
           <p:nvPr/>
@@ -5133,8 +6996,8 @@
         </p:blipFill>
         <p:spPr>
           <a:xfrm>
-            <a:off x="-142908" y="571480"/>
-            <a:ext cx="4429124" cy="6286520"/>
+            <a:off x="-142908" y="642918"/>
+            <a:ext cx="4429124" cy="6215082"/>
           </a:xfrm>
           <a:prstGeom prst="rect">
             <a:avLst/>
@@ -5157,8 +7020,8 @@
         </p:blipFill>
         <p:spPr>
           <a:xfrm>
-            <a:off x="4143372" y="571480"/>
-            <a:ext cx="5000628" cy="6286520"/>
+            <a:off x="4143372" y="642918"/>
+            <a:ext cx="5000628" cy="6215082"/>
           </a:xfrm>
           <a:prstGeom prst="rect">
             <a:avLst/>
@@ -5199,6 +7062,54 @@
       </p:grpSpPr>
       <p:sp>
         <p:nvSpPr>
+          <p:cNvPr id="7" name="모서리가 둥근 직사각형 6"/>
+          <p:cNvSpPr/>
+          <p:nvPr/>
+        </p:nvSpPr>
+        <p:spPr>
+          <a:xfrm>
+            <a:off x="0" y="0"/>
+            <a:ext cx="4929190" cy="642942"/>
+          </a:xfrm>
+          <a:prstGeom prst="roundRect">
+            <a:avLst/>
+          </a:prstGeom>
+          <a:solidFill>
+            <a:srgbClr val="FFC000">
+              <a:alpha val="60000"/>
+            </a:srgbClr>
+          </a:solidFill>
+          <a:ln>
+            <a:noFill/>
+          </a:ln>
+        </p:spPr>
+        <p:style>
+          <a:lnRef idx="2">
+            <a:schemeClr val="accent1">
+              <a:shade val="50000"/>
+            </a:schemeClr>
+          </a:lnRef>
+          <a:fillRef idx="1">
+            <a:schemeClr val="accent1"/>
+          </a:fillRef>
+          <a:effectRef idx="0">
+            <a:schemeClr val="accent1"/>
+          </a:effectRef>
+          <a:fontRef idx="minor">
+            <a:schemeClr val="lt1"/>
+          </a:fontRef>
+        </p:style>
+        <p:txBody>
+          <a:bodyPr rtlCol="0" anchor="ctr"/>
+          <a:lstStyle/>
+          <a:p>
+            <a:pPr algn="ctr"/>
+            <a:endParaRPr lang="ko-KR" altLang="en-US"/>
+          </a:p>
+        </p:txBody>
+      </p:sp>
+      <p:sp>
+        <p:nvSpPr>
           <p:cNvPr id="4" name="TextBox 3"/>
           <p:cNvSpPr txBox="1"/>
           <p:nvPr/>
@@ -5249,8 +7160,8 @@
         </p:blipFill>
         <p:spPr>
           <a:xfrm>
-            <a:off x="-3628" y="571480"/>
-            <a:ext cx="4504190" cy="5929354"/>
+            <a:off x="-3628" y="642918"/>
+            <a:ext cx="4504190" cy="5857916"/>
           </a:xfrm>
           <a:prstGeom prst="rect">
             <a:avLst/>
@@ -5273,8 +7184,8 @@
         </p:blipFill>
         <p:spPr>
           <a:xfrm>
-            <a:off x="4929190" y="571480"/>
-            <a:ext cx="4214810" cy="6286518"/>
+            <a:off x="4929190" y="642918"/>
+            <a:ext cx="4214810" cy="6215080"/>
           </a:xfrm>
           <a:prstGeom prst="rect">
             <a:avLst/>
@@ -5315,6 +7226,54 @@
       </p:grpSpPr>
       <p:sp>
         <p:nvSpPr>
+          <p:cNvPr id="7" name="모서리가 둥근 직사각형 6"/>
+          <p:cNvSpPr/>
+          <p:nvPr/>
+        </p:nvSpPr>
+        <p:spPr>
+          <a:xfrm>
+            <a:off x="0" y="0"/>
+            <a:ext cx="4929190" cy="642942"/>
+          </a:xfrm>
+          <a:prstGeom prst="roundRect">
+            <a:avLst/>
+          </a:prstGeom>
+          <a:solidFill>
+            <a:srgbClr val="FFC000">
+              <a:alpha val="60000"/>
+            </a:srgbClr>
+          </a:solidFill>
+          <a:ln>
+            <a:noFill/>
+          </a:ln>
+        </p:spPr>
+        <p:style>
+          <a:lnRef idx="2">
+            <a:schemeClr val="accent1">
+              <a:shade val="50000"/>
+            </a:schemeClr>
+          </a:lnRef>
+          <a:fillRef idx="1">
+            <a:schemeClr val="accent1"/>
+          </a:fillRef>
+          <a:effectRef idx="0">
+            <a:schemeClr val="accent1"/>
+          </a:effectRef>
+          <a:fontRef idx="minor">
+            <a:schemeClr val="lt1"/>
+          </a:fontRef>
+        </p:style>
+        <p:txBody>
+          <a:bodyPr rtlCol="0" anchor="ctr"/>
+          <a:lstStyle/>
+          <a:p>
+            <a:pPr algn="ctr"/>
+            <a:endParaRPr lang="ko-KR" altLang="en-US"/>
+          </a:p>
+        </p:txBody>
+      </p:sp>
+      <p:sp>
+        <p:nvSpPr>
           <p:cNvPr id="4" name="TextBox 3"/>
           <p:cNvSpPr txBox="1"/>
           <p:nvPr/>
@@ -5431,6 +7390,54 @@
       </p:grpSpPr>
       <p:sp>
         <p:nvSpPr>
+          <p:cNvPr id="7" name="모서리가 둥근 직사각형 6"/>
+          <p:cNvSpPr/>
+          <p:nvPr/>
+        </p:nvSpPr>
+        <p:spPr>
+          <a:xfrm>
+            <a:off x="0" y="0"/>
+            <a:ext cx="4929190" cy="642942"/>
+          </a:xfrm>
+          <a:prstGeom prst="roundRect">
+            <a:avLst/>
+          </a:prstGeom>
+          <a:solidFill>
+            <a:srgbClr val="FFC000">
+              <a:alpha val="60000"/>
+            </a:srgbClr>
+          </a:solidFill>
+          <a:ln>
+            <a:noFill/>
+          </a:ln>
+        </p:spPr>
+        <p:style>
+          <a:lnRef idx="2">
+            <a:schemeClr val="accent1">
+              <a:shade val="50000"/>
+            </a:schemeClr>
+          </a:lnRef>
+          <a:fillRef idx="1">
+            <a:schemeClr val="accent1"/>
+          </a:fillRef>
+          <a:effectRef idx="0">
+            <a:schemeClr val="accent1"/>
+          </a:effectRef>
+          <a:fontRef idx="minor">
+            <a:schemeClr val="lt1"/>
+          </a:fontRef>
+        </p:style>
+        <p:txBody>
+          <a:bodyPr rtlCol="0" anchor="ctr"/>
+          <a:lstStyle/>
+          <a:p>
+            <a:pPr algn="ctr"/>
+            <a:endParaRPr lang="ko-KR" altLang="en-US"/>
+          </a:p>
+        </p:txBody>
+      </p:sp>
+      <p:sp>
+        <p:nvSpPr>
           <p:cNvPr id="4" name="TextBox 3"/>
           <p:cNvSpPr txBox="1"/>
           <p:nvPr/>
@@ -5547,6 +7554,54 @@
       </p:grpSpPr>
       <p:sp>
         <p:nvSpPr>
+          <p:cNvPr id="6" name="모서리가 둥근 직사각형 5"/>
+          <p:cNvSpPr/>
+          <p:nvPr/>
+        </p:nvSpPr>
+        <p:spPr>
+          <a:xfrm>
+            <a:off x="0" y="0"/>
+            <a:ext cx="4929190" cy="642942"/>
+          </a:xfrm>
+          <a:prstGeom prst="roundRect">
+            <a:avLst/>
+          </a:prstGeom>
+          <a:solidFill>
+            <a:srgbClr val="FFC000">
+              <a:alpha val="60000"/>
+            </a:srgbClr>
+          </a:solidFill>
+          <a:ln>
+            <a:noFill/>
+          </a:ln>
+        </p:spPr>
+        <p:style>
+          <a:lnRef idx="2">
+            <a:schemeClr val="accent1">
+              <a:shade val="50000"/>
+            </a:schemeClr>
+          </a:lnRef>
+          <a:fillRef idx="1">
+            <a:schemeClr val="accent1"/>
+          </a:fillRef>
+          <a:effectRef idx="0">
+            <a:schemeClr val="accent1"/>
+          </a:effectRef>
+          <a:fontRef idx="minor">
+            <a:schemeClr val="lt1"/>
+          </a:fontRef>
+        </p:style>
+        <p:txBody>
+          <a:bodyPr rtlCol="0" anchor="ctr"/>
+          <a:lstStyle/>
+          <a:p>
+            <a:pPr algn="ctr"/>
+            <a:endParaRPr lang="ko-KR" altLang="en-US"/>
+          </a:p>
+        </p:txBody>
+      </p:sp>
+      <p:sp>
+        <p:nvSpPr>
           <p:cNvPr id="4" name="TextBox 3"/>
           <p:cNvSpPr txBox="1"/>
           <p:nvPr/>
@@ -5621,8 +7676,8 @@
         </p:blipFill>
         <p:spPr>
           <a:xfrm>
-            <a:off x="4857753" y="642918"/>
-            <a:ext cx="4286248" cy="6215082"/>
+            <a:off x="5000627" y="642918"/>
+            <a:ext cx="4143373" cy="6215082"/>
           </a:xfrm>
           <a:prstGeom prst="rect">
             <a:avLst/>

--- a/PPT Source/PowerPoinT/Team4 PPT1.pptx
+++ b/PPT Source/PowerPoinT/Team4 PPT1.pptx
@@ -307,7 +307,7 @@
             <a:fld id="{4EB83324-13E5-453F-B158-6E8793A15E81}" type="datetimeFigureOut">
               <a:rPr lang="ko-KR" altLang="en-US" smtClean="0"/>
               <a:pPr/>
-              <a:t>2018-11-14</a:t>
+              <a:t>2018-11-15</a:t>
             </a:fld>
             <a:endParaRPr lang="ko-KR" altLang="en-US" dirty="0"/>
           </a:p>
@@ -474,7 +474,7 @@
             <a:fld id="{4EB83324-13E5-453F-B158-6E8793A15E81}" type="datetimeFigureOut">
               <a:rPr lang="ko-KR" altLang="en-US" smtClean="0"/>
               <a:pPr/>
-              <a:t>2018-11-14</a:t>
+              <a:t>2018-11-15</a:t>
             </a:fld>
             <a:endParaRPr lang="ko-KR" altLang="en-US" dirty="0"/>
           </a:p>
@@ -651,7 +651,7 @@
             <a:fld id="{4EB83324-13E5-453F-B158-6E8793A15E81}" type="datetimeFigureOut">
               <a:rPr lang="ko-KR" altLang="en-US" smtClean="0"/>
               <a:pPr/>
-              <a:t>2018-11-14</a:t>
+              <a:t>2018-11-15</a:t>
             </a:fld>
             <a:endParaRPr lang="ko-KR" altLang="en-US" dirty="0"/>
           </a:p>
@@ -818,7 +818,7 @@
             <a:fld id="{4EB83324-13E5-453F-B158-6E8793A15E81}" type="datetimeFigureOut">
               <a:rPr lang="ko-KR" altLang="en-US" smtClean="0"/>
               <a:pPr/>
-              <a:t>2018-11-14</a:t>
+              <a:t>2018-11-15</a:t>
             </a:fld>
             <a:endParaRPr lang="ko-KR" altLang="en-US" dirty="0"/>
           </a:p>
@@ -1061,7 +1061,7 @@
             <a:fld id="{4EB83324-13E5-453F-B158-6E8793A15E81}" type="datetimeFigureOut">
               <a:rPr lang="ko-KR" altLang="en-US" smtClean="0"/>
               <a:pPr/>
-              <a:t>2018-11-14</a:t>
+              <a:t>2018-11-15</a:t>
             </a:fld>
             <a:endParaRPr lang="ko-KR" altLang="en-US" dirty="0"/>
           </a:p>
@@ -1346,7 +1346,7 @@
             <a:fld id="{4EB83324-13E5-453F-B158-6E8793A15E81}" type="datetimeFigureOut">
               <a:rPr lang="ko-KR" altLang="en-US" smtClean="0"/>
               <a:pPr/>
-              <a:t>2018-11-14</a:t>
+              <a:t>2018-11-15</a:t>
             </a:fld>
             <a:endParaRPr lang="ko-KR" altLang="en-US" dirty="0"/>
           </a:p>
@@ -1765,7 +1765,7 @@
             <a:fld id="{4EB83324-13E5-453F-B158-6E8793A15E81}" type="datetimeFigureOut">
               <a:rPr lang="ko-KR" altLang="en-US" smtClean="0"/>
               <a:pPr/>
-              <a:t>2018-11-14</a:t>
+              <a:t>2018-11-15</a:t>
             </a:fld>
             <a:endParaRPr lang="ko-KR" altLang="en-US" dirty="0"/>
           </a:p>
@@ -1880,7 +1880,7 @@
             <a:fld id="{4EB83324-13E5-453F-B158-6E8793A15E81}" type="datetimeFigureOut">
               <a:rPr lang="ko-KR" altLang="en-US" smtClean="0"/>
               <a:pPr/>
-              <a:t>2018-11-14</a:t>
+              <a:t>2018-11-15</a:t>
             </a:fld>
             <a:endParaRPr lang="ko-KR" altLang="en-US" dirty="0"/>
           </a:p>
@@ -1972,7 +1972,7 @@
             <a:fld id="{4EB83324-13E5-453F-B158-6E8793A15E81}" type="datetimeFigureOut">
               <a:rPr lang="ko-KR" altLang="en-US" smtClean="0"/>
               <a:pPr/>
-              <a:t>2018-11-14</a:t>
+              <a:t>2018-11-15</a:t>
             </a:fld>
             <a:endParaRPr lang="ko-KR" altLang="en-US" dirty="0"/>
           </a:p>
@@ -2246,7 +2246,7 @@
             <a:fld id="{4EB83324-13E5-453F-B158-6E8793A15E81}" type="datetimeFigureOut">
               <a:rPr lang="ko-KR" altLang="en-US" smtClean="0"/>
               <a:pPr/>
-              <a:t>2018-11-14</a:t>
+              <a:t>2018-11-15</a:t>
             </a:fld>
             <a:endParaRPr lang="ko-KR" altLang="en-US" dirty="0"/>
           </a:p>
@@ -2496,7 +2496,7 @@
             <a:fld id="{4EB83324-13E5-453F-B158-6E8793A15E81}" type="datetimeFigureOut">
               <a:rPr lang="ko-KR" altLang="en-US" smtClean="0"/>
               <a:pPr/>
-              <a:t>2018-11-14</a:t>
+              <a:t>2018-11-15</a:t>
             </a:fld>
             <a:endParaRPr lang="ko-KR" altLang="en-US" dirty="0"/>
           </a:p>
@@ -2706,7 +2706,7 @@
             <a:fld id="{4EB83324-13E5-453F-B158-6E8793A15E81}" type="datetimeFigureOut">
               <a:rPr lang="ko-KR" altLang="en-US" smtClean="0"/>
               <a:pPr/>
-              <a:t>2018-11-14</a:t>
+              <a:t>2018-11-15</a:t>
             </a:fld>
             <a:endParaRPr lang="ko-KR" altLang="en-US" dirty="0"/>
           </a:p>
@@ -3079,7 +3079,7 @@
       </p:grpSpPr>
       <p:pic>
         <p:nvPicPr>
-          <p:cNvPr id="4" name="그림 3" descr="바꾼표지.jpg"/>
+          <p:cNvPr id="3" name="그림 2" descr="바꾼표지.jpg"/>
           <p:cNvPicPr>
             <a:picLocks noChangeAspect="1"/>
           </p:cNvPicPr>
@@ -6002,6 +6002,13 @@
   <p:clrMapOvr>
     <a:masterClrMapping/>
   </p:clrMapOvr>
+  <p:timing>
+    <p:tnLst>
+      <p:par>
+        <p:cTn id="1" dur="indefinite" restart="never" nodeType="tmRoot"/>
+      </p:par>
+    </p:tnLst>
+  </p:timing>
 </p:sld>
 </file>
 
